--- a/references/ApplicationOfEnsembleLearningInBankCreditCardRiskModeling.pptx
+++ b/references/ApplicationOfEnsembleLearningInBankCreditCardRiskModeling.pptx
@@ -5,10 +5,10 @@
     <p:sldMasterId id="2147483672" r:id="rId4"/>
   </p:sldMasterIdLst>
   <p:notesMasterIdLst>
-    <p:notesMasterId r:id="rId44"/>
+    <p:notesMasterId r:id="rId45"/>
   </p:notesMasterIdLst>
   <p:handoutMasterIdLst>
-    <p:handoutMasterId r:id="rId45"/>
+    <p:handoutMasterId r:id="rId46"/>
   </p:handoutMasterIdLst>
   <p:sldIdLst>
     <p:sldId id="322" r:id="rId5"/>
@@ -48,13 +48,14 @@
     <p:sldId id="357" r:id="rId39"/>
     <p:sldId id="358" r:id="rId40"/>
     <p:sldId id="359" r:id="rId41"/>
-    <p:sldId id="360" r:id="rId42"/>
-    <p:sldId id="361" r:id="rId43"/>
+    <p:sldId id="362" r:id="rId42"/>
+    <p:sldId id="360" r:id="rId43"/>
+    <p:sldId id="361" r:id="rId44"/>
   </p:sldIdLst>
   <p:sldSz cx="12188825" cy="6858000"/>
   <p:notesSz cx="6858000" cy="9144000"/>
   <p:custDataLst>
-    <p:tags r:id="rId46"/>
+    <p:tags r:id="rId47"/>
   </p:custDataLst>
   <p:defaultTextStyle>
     <a:defPPr>
@@ -5805,7 +5806,7 @@
       <dgm:spPr/>
     </dgm:pt>
     <dgm:pt modelId="{6A63D16E-EEE6-4267-97EA-5AD7D2BC4E84}" type="pres">
-      <dgm:prSet presAssocID="{D0B150DF-3AA4-454C-8652-25880449C422}" presName="Name9" presStyleLbl="sibTrans2D1" presStyleIdx="0" presStyleCnt="2" custScaleX="132040" custLinFactNeighborX="6371" custLinFactNeighborY="-19386"/>
+      <dgm:prSet presAssocID="{D0B150DF-3AA4-454C-8652-25880449C422}" presName="Name9" presStyleLbl="sibTrans2D1" presStyleIdx="0" presStyleCnt="2" custScaleX="132040" custLinFactNeighborX="6011" custLinFactNeighborY="-16794"/>
       <dgm:spPr/>
     </dgm:pt>
     <dgm:pt modelId="{59BAED1E-A4FE-4FA3-8716-57917AF47F38}" type="pres">
@@ -5817,7 +5818,7 @@
       <dgm:spPr/>
     </dgm:pt>
     <dgm:pt modelId="{E83793B4-2C5C-4D90-82FA-E5EE4745664D}" type="pres">
-      <dgm:prSet presAssocID="{F6D27D1B-CDCB-481F-B8FA-AB31B2A119DE}" presName="childNode2" presStyleLbl="bgAcc1" presStyleIdx="1" presStyleCnt="3" custScaleY="105916">
+      <dgm:prSet presAssocID="{F6D27D1B-CDCB-481F-B8FA-AB31B2A119DE}" presName="childNode2" presStyleLbl="bgAcc1" presStyleIdx="1" presStyleCnt="3" custScaleY="105970">
         <dgm:presLayoutVars>
           <dgm:bulletEnabled val="1"/>
         </dgm:presLayoutVars>
@@ -8899,15 +8900,15 @@
       </dsp:nvSpPr>
       <dsp:spPr>
         <a:xfrm>
-          <a:off x="1610591" y="839502"/>
+          <a:off x="1600188" y="914408"/>
           <a:ext cx="3815745" cy="2889840"/>
         </a:xfrm>
         <a:prstGeom prst="leftCircularArrow">
           <a:avLst>
             <a:gd name="adj1" fmla="val 3821"/>
             <a:gd name="adj2" fmla="val 477727"/>
-            <a:gd name="adj3" fmla="val 2249956"/>
-            <a:gd name="adj4" fmla="val 9021208"/>
+            <a:gd name="adj3" fmla="val 2249962"/>
+            <a:gd name="adj4" fmla="val 9021213"/>
             <a:gd name="adj5" fmla="val 4458"/>
           </a:avLst>
         </a:prstGeom>
@@ -9092,8 +9093,8 @@
       </dsp:nvSpPr>
       <dsp:spPr>
         <a:xfrm>
-          <a:off x="3794789" y="989207"/>
-          <a:ext cx="2444561" cy="2135533"/>
+          <a:off x="3794789" y="988658"/>
+          <a:ext cx="2444561" cy="2136622"/>
         </a:xfrm>
         <a:prstGeom prst="roundRect">
           <a:avLst>
@@ -9255,8 +9256,8 @@
         </a:p>
       </dsp:txBody>
       <dsp:txXfrm>
-        <a:off x="3843934" y="1495966"/>
-        <a:ext cx="2346271" cy="1579629"/>
+        <a:off x="3843959" y="1495676"/>
+        <a:ext cx="2346221" cy="1580434"/>
       </dsp:txXfrm>
     </dsp:sp>
     <dsp:sp modelId="{DC2A0ADB-DCE3-4BF4-9952-0394865777AC}">
@@ -9266,15 +9267,15 @@
       </dsp:nvSpPr>
       <dsp:spPr>
         <a:xfrm>
-          <a:off x="5275272" y="-153481"/>
+          <a:off x="5275271" y="-153483"/>
           <a:ext cx="3589955" cy="4777704"/>
         </a:xfrm>
         <a:prstGeom prst="circularArrow">
           <a:avLst>
             <a:gd name="adj1" fmla="val 3171"/>
             <a:gd name="adj2" fmla="val 390347"/>
-            <a:gd name="adj3" fmla="val 19440275"/>
-            <a:gd name="adj4" fmla="val 12581643"/>
+            <a:gd name="adj3" fmla="val 19440280"/>
+            <a:gd name="adj4" fmla="val 12581648"/>
             <a:gd name="adj5" fmla="val 3699"/>
           </a:avLst>
         </a:prstGeom>
@@ -9352,7 +9353,7 @@
       </dsp:nvSpPr>
       <dsp:spPr>
         <a:xfrm>
-          <a:off x="4338025" y="616793"/>
+          <a:off x="4338025" y="616790"/>
           <a:ext cx="2172943" cy="864108"/>
         </a:xfrm>
         <a:prstGeom prst="roundRect">
@@ -9448,7 +9449,7 @@
         </a:p>
       </dsp:txBody>
       <dsp:txXfrm>
-        <a:off x="4363334" y="642102"/>
+        <a:off x="4363334" y="642099"/>
         <a:ext cx="2122325" cy="813490"/>
       </dsp:txXfrm>
     </dsp:sp>
@@ -22814,8 +22815,8 @@
         </p:nvSpPr>
         <p:spPr>
           <a:xfrm>
-            <a:off x="760412" y="2413986"/>
-            <a:ext cx="10108815" cy="369332"/>
+            <a:off x="760413" y="2413986"/>
+            <a:ext cx="10058400" cy="369332"/>
           </a:xfrm>
           <a:prstGeom prst="rect">
             <a:avLst/>
@@ -22973,17 +22974,13 @@
               <a:rPr lang="en-US" dirty="0">
                 <a:latin typeface="Abadi" panose="020B0604020104020204" pitchFamily="34" charset="0"/>
               </a:rPr>
-              <a:t> 20 tr</a:t>
-            </a:r>
-            <a:r>
-              <a:rPr lang="vi-VN" dirty="0"/>
-              <a:t>ư</a:t>
-            </a:r>
-            <a:r>
-              <a:rPr lang="en-US" dirty="0" err="1">
-                <a:latin typeface="Abadi" panose="020B0604020104020204" pitchFamily="34" charset="0"/>
-              </a:rPr>
-              <a:t>ờng</a:t>
+              <a:t> 20 </a:t>
+            </a:r>
+            <a:r>
+              <a:rPr lang="en-US" dirty="0" err="1">
+                <a:latin typeface="Abadi" panose="020B0604020104020204" pitchFamily="34" charset="0"/>
+              </a:rPr>
+              <a:t>trường</a:t>
             </a:r>
             <a:r>
               <a:rPr lang="en-US" dirty="0">
@@ -23736,8 +23733,8 @@
           </a:p>
         </p:txBody>
       </p:sp>
-      <mc:AlternateContent xmlns:mc="http://schemas.openxmlformats.org/markup-compatibility/2006">
-        <mc:Choice xmlns:a14="http://schemas.microsoft.com/office/drawing/2010/main" Requires="a14">
+      <mc:AlternateContent xmlns:mc="http://schemas.openxmlformats.org/markup-compatibility/2006" xmlns:a14="http://schemas.microsoft.com/office/drawing/2010/main">
+        <mc:Choice Requires="a14">
           <p:sp>
             <p:nvSpPr>
               <p:cNvPr id="15" name="Rectangle: Rounded Corners 14">
@@ -24027,7 +24024,7 @@
             </p:txBody>
           </p:sp>
         </mc:Choice>
-        <mc:Fallback>
+        <mc:Fallback xmlns="">
           <p:sp>
             <p:nvSpPr>
               <p:cNvPr id="15" name="Rectangle: Rounded Corners 14">
@@ -25183,17 +25180,19 @@
               <a:rPr lang="en-US" dirty="0">
                 <a:latin typeface="Abadi" panose="020B0604020104020204" pitchFamily="34" charset="0"/>
               </a:rPr>
-              <a:t> đ</a:t>
-            </a:r>
-            <a:r>
-              <a:rPr lang="vi-VN" dirty="0"/>
-              <a:t>ơ</a:t>
-            </a:r>
-            <a:r>
-              <a:rPr lang="en-US" dirty="0">
-                <a:latin typeface="Abadi" panose="020B0604020104020204" pitchFamily="34" charset="0"/>
-              </a:rPr>
-              <a:t>n </a:t>
+              <a:t> </a:t>
+            </a:r>
+            <a:r>
+              <a:rPr lang="en-US" dirty="0" err="1">
+                <a:latin typeface="Abadi" panose="020B0604020104020204" pitchFamily="34" charset="0"/>
+              </a:rPr>
+              <a:t>đơn</a:t>
+            </a:r>
+            <a:r>
+              <a:rPr lang="en-US" dirty="0">
+                <a:latin typeface="Abadi" panose="020B0604020104020204" pitchFamily="34" charset="0"/>
+              </a:rPr>
+              <a:t> </a:t>
             </a:r>
             <a:r>
               <a:rPr lang="en-US" dirty="0" err="1">
@@ -26025,7 +26024,7 @@
             <p:ph idx="1"/>
             <p:extLst>
               <p:ext uri="{D42A27DB-BD31-4B8C-83A1-F6EECF244321}">
-                <p14:modId xmlns:p14="http://schemas.microsoft.com/office/powerpoint/2010/main" val="3976805766"/>
+                <p14:modId xmlns:p14="http://schemas.microsoft.com/office/powerpoint/2010/main" val="1150685737"/>
               </p:ext>
             </p:extLst>
           </p:nvPr>
@@ -27354,12 +27353,25 @@
         </p:blipFill>
         <p:spPr>
           <a:xfrm>
-            <a:off x="5484812" y="3056930"/>
+            <a:off x="5789612" y="3200400"/>
             <a:ext cx="5549041" cy="3121336"/>
           </a:xfrm>
-          <a:prstGeom prst="rect">
-            <a:avLst/>
+          <a:prstGeom prst="roundRect">
+            <a:avLst>
+              <a:gd name="adj" fmla="val 8594"/>
+            </a:avLst>
           </a:prstGeom>
+          <a:solidFill>
+            <a:srgbClr val="FFFFFF">
+              <a:shade val="85000"/>
+            </a:srgbClr>
+          </a:solidFill>
+          <a:ln>
+            <a:noFill/>
+          </a:ln>
+          <a:effectLst>
+            <a:reflection blurRad="12700" stA="38000" endPos="28000" dist="5000" dir="5400000" sy="-100000" algn="bl" rotWithShape="0"/>
+          </a:effectLst>
         </p:spPr>
       </p:pic>
       <p:sp>
@@ -28184,8 +28196,8 @@
           </a:p>
         </p:txBody>
       </p:sp>
-      <mc:AlternateContent xmlns:mc="http://schemas.openxmlformats.org/markup-compatibility/2006">
-        <mc:Choice xmlns:a14="http://schemas.microsoft.com/office/drawing/2010/main" Requires="a14">
+      <mc:AlternateContent xmlns:mc="http://schemas.openxmlformats.org/markup-compatibility/2006" xmlns:a14="http://schemas.microsoft.com/office/drawing/2010/main">
+        <mc:Choice Requires="a14">
           <p:sp>
             <p:nvSpPr>
               <p:cNvPr id="9" name="TextBox 8">
@@ -28603,7 +28615,7 @@
             </p:txBody>
           </p:sp>
         </mc:Choice>
-        <mc:Fallback>
+        <mc:Fallback xmlns="">
           <p:sp>
             <p:nvSpPr>
               <p:cNvPr id="9" name="TextBox 8">
@@ -28705,8 +28717,8 @@
           </a:sp3d>
         </p:spPr>
       </p:pic>
-      <mc:AlternateContent xmlns:mc="http://schemas.openxmlformats.org/markup-compatibility/2006">
-        <mc:Choice xmlns:a14="http://schemas.microsoft.com/office/drawing/2010/main" Requires="a14">
+      <mc:AlternateContent xmlns:mc="http://schemas.openxmlformats.org/markup-compatibility/2006" xmlns:a14="http://schemas.microsoft.com/office/drawing/2010/main">
+        <mc:Choice Requires="a14">
           <p:sp>
             <p:nvSpPr>
               <p:cNvPr id="8" name="TextBox 7">
@@ -29183,7 +29195,7 @@
             </p:txBody>
           </p:sp>
         </mc:Choice>
-        <mc:Fallback>
+        <mc:Fallback xmlns="">
           <p:sp>
             <p:nvSpPr>
               <p:cNvPr id="8" name="TextBox 7">
@@ -29399,11 +29411,13 @@
               <a:rPr lang="en-US" dirty="0">
                 <a:latin typeface="Abadi" panose="020B0604020104020204" pitchFamily="34" charset="0"/>
               </a:rPr>
-              <a:t> c</a:t>
-            </a:r>
-            <a:r>
-              <a:rPr lang="vi-VN" dirty="0"/>
-              <a:t>ơ</a:t>
+              <a:t> </a:t>
+            </a:r>
+            <a:r>
+              <a:rPr lang="en-US" dirty="0" err="1">
+                <a:latin typeface="Abadi" panose="020B0604020104020204" pitchFamily="34" charset="0"/>
+              </a:rPr>
+              <a:t>cơ</a:t>
             </a:r>
             <a:r>
               <a:rPr lang="en-US" dirty="0">
@@ -29495,7 +29509,7 @@
         <p:spPr>
           <a:xfrm>
             <a:off x="582148" y="3708484"/>
-            <a:ext cx="10465264" cy="369332"/>
+            <a:ext cx="9779464" cy="369332"/>
           </a:xfrm>
           <a:prstGeom prst="rect">
             <a:avLst/>
@@ -29904,8 +29918,8 @@
           </a:sp3d>
         </p:spPr>
       </p:pic>
-      <mc:AlternateContent xmlns:mc="http://schemas.openxmlformats.org/markup-compatibility/2006">
-        <mc:Choice xmlns:a14="http://schemas.microsoft.com/office/drawing/2010/main" Requires="a14">
+      <mc:AlternateContent xmlns:mc="http://schemas.openxmlformats.org/markup-compatibility/2006" xmlns:a14="http://schemas.microsoft.com/office/drawing/2010/main">
+        <mc:Choice Requires="a14">
           <p:sp>
             <p:nvSpPr>
               <p:cNvPr id="11" name="TextBox 10">
@@ -30239,7 +30253,7 @@
             </p:txBody>
           </p:sp>
         </mc:Choice>
-        <mc:Fallback>
+        <mc:Fallback xmlns="">
           <p:sp>
             <p:nvSpPr>
               <p:cNvPr id="11" name="TextBox 10">
@@ -30372,8 +30386,8 @@
           </a:p>
         </p:txBody>
       </p:sp>
-      <mc:AlternateContent xmlns:mc="http://schemas.openxmlformats.org/markup-compatibility/2006">
-        <mc:Choice xmlns:a14="http://schemas.microsoft.com/office/drawing/2010/main" Requires="a14">
+      <mc:AlternateContent xmlns:mc="http://schemas.openxmlformats.org/markup-compatibility/2006" xmlns:a14="http://schemas.microsoft.com/office/drawing/2010/main">
+        <mc:Choice Requires="a14">
           <p:sp>
             <p:nvSpPr>
               <p:cNvPr id="5" name="TextBox 4">
@@ -30604,7 +30618,7 @@
             </p:txBody>
           </p:sp>
         </mc:Choice>
-        <mc:Fallback>
+        <mc:Fallback xmlns="">
           <p:sp>
             <p:nvSpPr>
               <p:cNvPr id="5" name="TextBox 4">
@@ -30839,8 +30853,8 @@
           </a:sp3d>
         </p:spPr>
       </p:pic>
-      <mc:AlternateContent xmlns:mc="http://schemas.openxmlformats.org/markup-compatibility/2006">
-        <mc:Choice xmlns:a14="http://schemas.microsoft.com/office/drawing/2010/main" Requires="a14">
+      <mc:AlternateContent xmlns:mc="http://schemas.openxmlformats.org/markup-compatibility/2006" xmlns:a14="http://schemas.microsoft.com/office/drawing/2010/main">
+        <mc:Choice Requires="a14">
           <p:sp>
             <p:nvSpPr>
               <p:cNvPr id="12" name="TextBox 11">
@@ -31589,7 +31603,7 @@
             </p:txBody>
           </p:sp>
         </mc:Choice>
-        <mc:Fallback>
+        <mc:Fallback xmlns="">
           <p:sp>
             <p:nvSpPr>
               <p:cNvPr id="12" name="TextBox 11">
@@ -31803,14 +31817,16 @@
               <a:t> </a:t>
             </a:r>
             <a:r>
-              <a:rPr lang="vi-VN" b="1" dirty="0"/>
-              <a:t>ư</a:t>
+              <a:rPr lang="en-US" b="1" dirty="0" err="1">
+                <a:latin typeface="Abadi" panose="020B0604020104020204" pitchFamily="34" charset="0"/>
+              </a:rPr>
+              <a:t>ưu</a:t>
             </a:r>
             <a:r>
               <a:rPr lang="en-US" b="1" dirty="0">
                 <a:latin typeface="Abadi" panose="020B0604020104020204" pitchFamily="34" charset="0"/>
               </a:rPr>
-              <a:t>u </a:t>
+              <a:t> </a:t>
             </a:r>
             <a:r>
               <a:rPr lang="en-US" b="1" dirty="0" err="1">
@@ -32001,17 +32017,7 @@
               <a:rPr lang="en-US" dirty="0" err="1">
                 <a:latin typeface="Abadi" panose="020B0604020104020204" pitchFamily="34" charset="0"/>
               </a:rPr>
-              <a:t>ph</a:t>
-            </a:r>
-            <a:r>
-              <a:rPr lang="vi-VN" dirty="0"/>
-              <a:t>ư</a:t>
-            </a:r>
-            <a:r>
-              <a:rPr lang="en-US" dirty="0" err="1">
-                <a:latin typeface="Abadi" panose="020B0604020104020204" pitchFamily="34" charset="0"/>
-              </a:rPr>
-              <a:t>ơng</a:t>
+              <a:t>phương</a:t>
             </a:r>
             <a:r>
               <a:rPr lang="en-US" dirty="0">
@@ -32058,8 +32064,8 @@
           </a:p>
         </p:txBody>
       </p:sp>
-      <mc:AlternateContent xmlns:mc="http://schemas.openxmlformats.org/markup-compatibility/2006">
-        <mc:Choice xmlns:a14="http://schemas.microsoft.com/office/drawing/2010/main" Requires="a14">
+      <mc:AlternateContent xmlns:mc="http://schemas.openxmlformats.org/markup-compatibility/2006" xmlns:a14="http://schemas.microsoft.com/office/drawing/2010/main">
+        <mc:Choice Requires="a14">
           <p:sp>
             <p:nvSpPr>
               <p:cNvPr id="8" name="Rectangle: Rounded Corners 7">
@@ -32244,7 +32250,7 @@
             </p:txBody>
           </p:sp>
         </mc:Choice>
-        <mc:Fallback>
+        <mc:Fallback xmlns="">
           <p:sp>
             <p:nvSpPr>
               <p:cNvPr id="8" name="Rectangle: Rounded Corners 7">
@@ -32553,7 +32559,7 @@
         </p:blipFill>
         <p:spPr>
           <a:xfrm>
-            <a:off x="5408612" y="2579132"/>
+            <a:off x="4897584" y="2627993"/>
             <a:ext cx="5616427" cy="533446"/>
           </a:xfrm>
           <a:prstGeom prst="roundRect">
@@ -32691,7 +32697,7 @@
         </p:blipFill>
         <p:spPr>
           <a:xfrm>
-            <a:off x="3198812" y="3475507"/>
+            <a:off x="3275012" y="3454916"/>
             <a:ext cx="4940764" cy="745128"/>
           </a:xfrm>
           <a:prstGeom prst="roundRect">
@@ -32855,7 +32861,7 @@
         </p:blipFill>
         <p:spPr>
           <a:xfrm>
-            <a:off x="4646612" y="4618964"/>
+            <a:off x="4530354" y="4645026"/>
             <a:ext cx="6683319" cy="670618"/>
           </a:xfrm>
           <a:prstGeom prst="roundRect">
@@ -33383,8 +33389,8 @@
           </a:p>
         </p:txBody>
       </p:sp>
-      <mc:AlternateContent xmlns:mc="http://schemas.openxmlformats.org/markup-compatibility/2006">
-        <mc:Choice xmlns:a14="http://schemas.microsoft.com/office/drawing/2010/main" Requires="a14">
+      <mc:AlternateContent xmlns:mc="http://schemas.openxmlformats.org/markup-compatibility/2006" xmlns:a14="http://schemas.microsoft.com/office/drawing/2010/main">
+        <mc:Choice Requires="a14">
           <p:sp>
             <p:nvSpPr>
               <p:cNvPr id="6" name="TextBox 5">
@@ -33850,7 +33856,7 @@
             </p:txBody>
           </p:sp>
         </mc:Choice>
-        <mc:Fallback>
+        <mc:Fallback xmlns="">
           <p:sp>
             <p:nvSpPr>
               <p:cNvPr id="6" name="TextBox 5">
@@ -33898,8 +33904,8 @@
           </p:sp>
         </mc:Fallback>
       </mc:AlternateContent>
-      <mc:AlternateContent xmlns:mc="http://schemas.openxmlformats.org/markup-compatibility/2006">
-        <mc:Choice xmlns:a14="http://schemas.microsoft.com/office/drawing/2010/main" Requires="a14">
+      <mc:AlternateContent xmlns:mc="http://schemas.openxmlformats.org/markup-compatibility/2006" xmlns:a14="http://schemas.microsoft.com/office/drawing/2010/main">
+        <mc:Choice Requires="a14">
           <p:sp>
             <p:nvSpPr>
               <p:cNvPr id="9" name="TextBox 8">
@@ -34276,7 +34282,7 @@
             </p:txBody>
           </p:sp>
         </mc:Choice>
-        <mc:Fallback>
+        <mc:Fallback xmlns="">
           <p:sp>
             <p:nvSpPr>
               <p:cNvPr id="9" name="TextBox 8">
@@ -34743,7 +34749,7 @@
         <p:spPr>
           <a:xfrm>
             <a:off x="589027" y="2133600"/>
-            <a:ext cx="11125200" cy="923330"/>
+            <a:ext cx="9543985" cy="923330"/>
           </a:xfrm>
           <a:prstGeom prst="rect">
             <a:avLst/>
@@ -35097,17 +35103,19 @@
               <a:rPr lang="en-US" dirty="0">
                 <a:latin typeface="Abadi" panose="020B0604020104020204" pitchFamily="34" charset="0"/>
               </a:rPr>
-              <a:t> h</a:t>
-            </a:r>
-            <a:r>
-              <a:rPr lang="vi-VN" dirty="0"/>
-              <a:t>ơ</a:t>
-            </a:r>
-            <a:r>
-              <a:rPr lang="en-US" dirty="0">
-                <a:latin typeface="Abadi" panose="020B0604020104020204" pitchFamily="34" charset="0"/>
-              </a:rPr>
-              <a:t>n (Decision Tree)</a:t>
+              <a:t> </a:t>
+            </a:r>
+            <a:r>
+              <a:rPr lang="en-US" dirty="0" err="1">
+                <a:latin typeface="Abadi" panose="020B0604020104020204" pitchFamily="34" charset="0"/>
+              </a:rPr>
+              <a:t>hơn</a:t>
+            </a:r>
+            <a:r>
+              <a:rPr lang="en-US" dirty="0">
+                <a:latin typeface="Abadi" panose="020B0604020104020204" pitchFamily="34" charset="0"/>
+              </a:rPr>
+              <a:t> (Decision Tree)</a:t>
             </a:r>
           </a:p>
           <a:p>
@@ -35653,8 +35661,8 @@
           </a:p>
         </p:txBody>
       </p:sp>
-      <mc:AlternateContent xmlns:mc="http://schemas.openxmlformats.org/markup-compatibility/2006">
-        <mc:Choice xmlns:a14="http://schemas.microsoft.com/office/drawing/2010/main" Requires="a14">
+      <mc:AlternateContent xmlns:mc="http://schemas.openxmlformats.org/markup-compatibility/2006" xmlns:a14="http://schemas.microsoft.com/office/drawing/2010/main">
+        <mc:Choice Requires="a14">
           <p:sp>
             <p:nvSpPr>
               <p:cNvPr id="9" name="TextBox 8">
@@ -36072,7 +36080,7 @@
             </p:txBody>
           </p:sp>
         </mc:Choice>
-        <mc:Fallback>
+        <mc:Fallback xmlns="">
           <p:sp>
             <p:nvSpPr>
               <p:cNvPr id="9" name="TextBox 8">
@@ -36174,8 +36182,8 @@
           </a:sp3d>
         </p:spPr>
       </p:pic>
-      <mc:AlternateContent xmlns:mc="http://schemas.openxmlformats.org/markup-compatibility/2006">
-        <mc:Choice xmlns:a14="http://schemas.microsoft.com/office/drawing/2010/main" Requires="a14">
+      <mc:AlternateContent xmlns:mc="http://schemas.openxmlformats.org/markup-compatibility/2006" xmlns:a14="http://schemas.microsoft.com/office/drawing/2010/main">
+        <mc:Choice Requires="a14">
           <p:sp>
             <p:nvSpPr>
               <p:cNvPr id="8" name="TextBox 7">
@@ -36652,7 +36660,7 @@
             </p:txBody>
           </p:sp>
         </mc:Choice>
-        <mc:Fallback>
+        <mc:Fallback xmlns="">
           <p:sp>
             <p:nvSpPr>
               <p:cNvPr id="8" name="TextBox 7">
@@ -37195,8 +37203,8 @@
           </a:p>
         </p:txBody>
       </p:sp>
-      <mc:AlternateContent xmlns:mc="http://schemas.openxmlformats.org/markup-compatibility/2006">
-        <mc:Choice xmlns:a14="http://schemas.microsoft.com/office/drawing/2010/main" Requires="a14">
+      <mc:AlternateContent xmlns:mc="http://schemas.openxmlformats.org/markup-compatibility/2006" xmlns:a14="http://schemas.microsoft.com/office/drawing/2010/main">
+        <mc:Choice Requires="a14">
           <p:sp>
             <p:nvSpPr>
               <p:cNvPr id="6" name="TextBox 5">
@@ -37344,7 +37352,7 @@
             </p:txBody>
           </p:sp>
         </mc:Choice>
-        <mc:Fallback>
+        <mc:Fallback xmlns="">
           <p:sp>
             <p:nvSpPr>
               <p:cNvPr id="6" name="TextBox 5">
@@ -37460,7 +37468,7 @@
         </p:nvSpPr>
         <p:spPr>
           <a:xfrm>
-            <a:off x="582148" y="5867400"/>
+            <a:off x="235781" y="5779532"/>
             <a:ext cx="8077618" cy="369332"/>
           </a:xfrm>
           <a:prstGeom prst="rect">
@@ -37738,7 +37746,7 @@
         </p:nvSpPr>
         <p:spPr>
           <a:xfrm>
-            <a:off x="582148" y="2133600"/>
+            <a:off x="63983" y="2090119"/>
             <a:ext cx="9473406" cy="369332"/>
           </a:xfrm>
           <a:prstGeom prst="rect">
@@ -37885,17 +37893,7 @@
               <a:rPr lang="en-US" dirty="0" err="1">
                 <a:latin typeface="Abadi" panose="020B0604020104020204" pitchFamily="34" charset="0"/>
               </a:rPr>
-              <a:t>ph</a:t>
-            </a:r>
-            <a:r>
-              <a:rPr lang="vi-VN" dirty="0"/>
-              <a:t>ư</a:t>
-            </a:r>
-            <a:r>
-              <a:rPr lang="en-US" dirty="0" err="1">
-                <a:latin typeface="Abadi" panose="020B0604020104020204" pitchFamily="34" charset="0"/>
-              </a:rPr>
-              <a:t>ơng</a:t>
+              <a:t>phương</a:t>
             </a:r>
             <a:r>
               <a:rPr lang="en-US" dirty="0">
@@ -37972,8 +37970,8 @@
           </a:sp3d>
         </p:spPr>
       </p:pic>
-      <mc:AlternateContent xmlns:mc="http://schemas.openxmlformats.org/markup-compatibility/2006">
-        <mc:Choice xmlns:a14="http://schemas.microsoft.com/office/drawing/2010/main" Requires="a14">
+      <mc:AlternateContent xmlns:mc="http://schemas.openxmlformats.org/markup-compatibility/2006" xmlns:a14="http://schemas.microsoft.com/office/drawing/2010/main">
+        <mc:Choice Requires="a14">
           <p:sp>
             <p:nvSpPr>
               <p:cNvPr id="11" name="TextBox 10">
@@ -38191,7 +38189,7 @@
             </p:txBody>
           </p:sp>
         </mc:Choice>
-        <mc:Fallback>
+        <mc:Fallback xmlns="">
           <p:sp>
             <p:nvSpPr>
               <p:cNvPr id="11" name="TextBox 10">
@@ -38309,7 +38307,7 @@
             </p:nvSpPr>
             <p:spPr>
               <a:xfrm>
-                <a:off x="545789" y="4804373"/>
+                <a:off x="88288" y="4761362"/>
                 <a:ext cx="8991600" cy="1477328"/>
               </a:xfrm>
               <a:prstGeom prst="rect">
@@ -38732,7 +38730,7 @@
             </p:nvSpPr>
             <p:spPr>
               <a:xfrm>
-                <a:off x="545789" y="4804373"/>
+                <a:off x="88288" y="4761362"/>
                 <a:ext cx="8991600" cy="1477328"/>
               </a:xfrm>
               <a:prstGeom prst="rect">
@@ -39096,14 +39094,16 @@
               <a:t> </a:t>
             </a:r>
             <a:r>
-              <a:rPr lang="vi-VN" b="1" dirty="0"/>
-              <a:t>ư</a:t>
+              <a:rPr lang="en-US" b="1" dirty="0" err="1">
+                <a:latin typeface="Abadi" panose="020B0604020104020204" pitchFamily="34" charset="0"/>
+              </a:rPr>
+              <a:t>ưu</a:t>
             </a:r>
             <a:r>
               <a:rPr lang="en-US" b="1" dirty="0">
                 <a:latin typeface="Abadi" panose="020B0604020104020204" pitchFamily="34" charset="0"/>
               </a:rPr>
-              <a:t>u </a:t>
+              <a:t> </a:t>
             </a:r>
             <a:r>
               <a:rPr lang="en-US" b="1" dirty="0" err="1">
@@ -39468,8 +39468,8 @@
         </p:nvSpPr>
         <p:spPr>
           <a:xfrm>
-            <a:off x="760412" y="2057400"/>
-            <a:ext cx="10846264" cy="646331"/>
+            <a:off x="684212" y="2057400"/>
+            <a:ext cx="10922464" cy="646331"/>
           </a:xfrm>
           <a:prstGeom prst="rect">
             <a:avLst/>
@@ -39567,11 +39567,7 @@
               <a:rPr lang="en-US" dirty="0" err="1">
                 <a:latin typeface="Abadi" panose="020B0604020104020204" pitchFamily="34" charset="0"/>
               </a:rPr>
-              <a:t>nh</a:t>
-            </a:r>
-            <a:r>
-              <a:rPr lang="vi-VN" dirty="0"/>
-              <a:t>ư</a:t>
+              <a:t>như</a:t>
             </a:r>
             <a:r>
               <a:rPr lang="en-US" dirty="0">
@@ -39864,8 +39860,8 @@
           </a:sp3d>
         </p:spPr>
       </p:pic>
-      <mc:AlternateContent xmlns:mc="http://schemas.openxmlformats.org/markup-compatibility/2006">
-        <mc:Choice xmlns:a14="http://schemas.microsoft.com/office/drawing/2010/main" Requires="a14">
+      <mc:AlternateContent xmlns:mc="http://schemas.openxmlformats.org/markup-compatibility/2006" xmlns:a14="http://schemas.microsoft.com/office/drawing/2010/main">
+        <mc:Choice Requires="a14">
           <p:sp>
             <p:nvSpPr>
               <p:cNvPr id="10" name="TextBox 9">
@@ -40170,7 +40166,7 @@
             </p:txBody>
           </p:sp>
         </mc:Choice>
-        <mc:Fallback>
+        <mc:Fallback xmlns="">
           <p:sp>
             <p:nvSpPr>
               <p:cNvPr id="10" name="TextBox 9">
@@ -40649,13 +40645,13 @@
             <p:ph sz="half" idx="2"/>
             <p:extLst>
               <p:ext uri="{D42A27DB-BD31-4B8C-83A1-F6EECF244321}">
-                <p14:modId xmlns:p14="http://schemas.microsoft.com/office/powerpoint/2010/main" val="4197520202"/>
+                <p14:modId xmlns:p14="http://schemas.microsoft.com/office/powerpoint/2010/main" val="1885899787"/>
               </p:ext>
             </p:extLst>
           </p:nvPr>
         </p:nvGraphicFramePr>
         <p:xfrm>
-          <a:off x="2398711" y="2057400"/>
+          <a:off x="2398711" y="1905000"/>
           <a:ext cx="7391401" cy="1981200"/>
         </p:xfrm>
         <a:graphic>
@@ -40998,8 +40994,8 @@
         </p:nvSpPr>
         <p:spPr>
           <a:xfrm>
-            <a:off x="899879" y="4724400"/>
-            <a:ext cx="8103064" cy="369332"/>
+            <a:off x="3275012" y="5189738"/>
+            <a:ext cx="8103064" cy="646331"/>
           </a:xfrm>
           <a:prstGeom prst="rect">
             <a:avLst/>
@@ -41015,12 +41011,148 @@
           </a:bodyPr>
           <a:lstStyle/>
           <a:p>
-            <a:r>
-              <a:rPr lang="en-US" dirty="0">
-                <a:latin typeface="Abadi" panose="020B0604020104020204" pitchFamily="34" charset="0"/>
-              </a:rPr>
-              <a:t>=&gt; </a:t>
-            </a:r>
+            <a:pPr marL="285750" indent="-285750">
+              <a:buFont typeface="Arial" panose="020B0604020202020204" pitchFamily="34" charset="0"/>
+              <a:buChar char="•"/>
+            </a:pPr>
+            <a:r>
+              <a:rPr lang="en-US" dirty="0" err="1">
+                <a:latin typeface="Abadi" panose="020B0604020104020204" pitchFamily="34" charset="0"/>
+              </a:rPr>
+              <a:t>Phát</a:t>
+            </a:r>
+            <a:r>
+              <a:rPr lang="en-US" dirty="0">
+                <a:latin typeface="Abadi" panose="020B0604020104020204" pitchFamily="34" charset="0"/>
+              </a:rPr>
+              <a:t> </a:t>
+            </a:r>
+            <a:r>
+              <a:rPr lang="en-US" dirty="0" err="1">
+                <a:latin typeface="Abadi" panose="020B0604020104020204" pitchFamily="34" charset="0"/>
+              </a:rPr>
+              <a:t>hiện</a:t>
+            </a:r>
+            <a:r>
+              <a:rPr lang="en-US" dirty="0">
+                <a:latin typeface="Abadi" panose="020B0604020104020204" pitchFamily="34" charset="0"/>
+              </a:rPr>
+              <a:t> </a:t>
+            </a:r>
+            <a:r>
+              <a:rPr lang="en-US" dirty="0" err="1">
+                <a:latin typeface="Abadi" panose="020B0604020104020204" pitchFamily="34" charset="0"/>
+              </a:rPr>
+              <a:t>đúng</a:t>
+            </a:r>
+            <a:r>
+              <a:rPr lang="en-US" dirty="0">
+                <a:latin typeface="Abadi" panose="020B0604020104020204" pitchFamily="34" charset="0"/>
+              </a:rPr>
+              <a:t> </a:t>
+            </a:r>
+            <a:r>
+              <a:rPr lang="en-US" dirty="0" err="1">
+                <a:latin typeface="Abadi" panose="020B0604020104020204" pitchFamily="34" charset="0"/>
+              </a:rPr>
+              <a:t>các</a:t>
+            </a:r>
+            <a:r>
+              <a:rPr lang="en-US" dirty="0">
+                <a:latin typeface="Abadi" panose="020B0604020104020204" pitchFamily="34" charset="0"/>
+              </a:rPr>
+              <a:t> </a:t>
+            </a:r>
+            <a:r>
+              <a:rPr lang="en-US" dirty="0" err="1">
+                <a:latin typeface="Abadi" panose="020B0604020104020204" pitchFamily="34" charset="0"/>
+              </a:rPr>
+              <a:t>đối</a:t>
+            </a:r>
+            <a:r>
+              <a:rPr lang="en-US" dirty="0">
+                <a:latin typeface="Abadi" panose="020B0604020104020204" pitchFamily="34" charset="0"/>
+              </a:rPr>
+              <a:t> t</a:t>
+            </a:r>
+            <a:r>
+              <a:rPr lang="vi-VN" dirty="0">
+                <a:latin typeface="Abadi" panose="020B0604020104020204" pitchFamily="34" charset="0"/>
+              </a:rPr>
+              <a:t>ư</a:t>
+            </a:r>
+            <a:r>
+              <a:rPr lang="en-US" dirty="0" err="1">
+                <a:latin typeface="Abadi" panose="020B0604020104020204" pitchFamily="34" charset="0"/>
+              </a:rPr>
+              <a:t>ợng</a:t>
+            </a:r>
+            <a:r>
+              <a:rPr lang="en-US" dirty="0">
+                <a:latin typeface="Abadi" panose="020B0604020104020204" pitchFamily="34" charset="0"/>
+              </a:rPr>
+              <a:t> </a:t>
+            </a:r>
+            <a:r>
+              <a:rPr lang="en-US" dirty="0" err="1">
+                <a:latin typeface="Abadi" panose="020B0604020104020204" pitchFamily="34" charset="0"/>
+              </a:rPr>
+              <a:t>thuộc</a:t>
+            </a:r>
+            <a:r>
+              <a:rPr lang="en-US" dirty="0">
+                <a:latin typeface="Abadi" panose="020B0604020104020204" pitchFamily="34" charset="0"/>
+              </a:rPr>
+              <a:t> </a:t>
+            </a:r>
+            <a:r>
+              <a:rPr lang="en-US" dirty="0" err="1">
+                <a:latin typeface="Abadi" panose="020B0604020104020204" pitchFamily="34" charset="0"/>
+              </a:rPr>
+              <a:t>nhóm</a:t>
+            </a:r>
+            <a:r>
+              <a:rPr lang="en-US" dirty="0">
+                <a:latin typeface="Abadi" panose="020B0604020104020204" pitchFamily="34" charset="0"/>
+              </a:rPr>
+              <a:t> d</a:t>
+            </a:r>
+            <a:r>
+              <a:rPr lang="vi-VN" dirty="0">
+                <a:latin typeface="Abadi" panose="020B0604020104020204" pitchFamily="34" charset="0"/>
+              </a:rPr>
+              <a:t>ư</a:t>
+            </a:r>
+            <a:r>
+              <a:rPr lang="en-US" dirty="0" err="1">
+                <a:latin typeface="Abadi" panose="020B0604020104020204" pitchFamily="34" charset="0"/>
+              </a:rPr>
+              <a:t>ơng</a:t>
+            </a:r>
+            <a:r>
+              <a:rPr lang="en-US" dirty="0">
+                <a:latin typeface="Abadi" panose="020B0604020104020204" pitchFamily="34" charset="0"/>
+              </a:rPr>
+              <a:t> </a:t>
+            </a:r>
+            <a:r>
+              <a:rPr lang="en-US" dirty="0" err="1">
+                <a:latin typeface="Abadi" panose="020B0604020104020204" pitchFamily="34" charset="0"/>
+              </a:rPr>
+              <a:t>tính</a:t>
+            </a:r>
+            <a:r>
+              <a:rPr lang="en-US" dirty="0">
+                <a:latin typeface="Abadi" panose="020B0604020104020204" pitchFamily="34" charset="0"/>
+              </a:rPr>
+              <a:t> </a:t>
+            </a:r>
+          </a:p>
+          <a:p>
+            <a:pPr marL="285750" indent="-285750">
+              <a:buFont typeface="Arial" panose="020B0604020202020204" pitchFamily="34" charset="0"/>
+              <a:buChar char="•"/>
+            </a:pPr>
             <a:r>
               <a:rPr lang="en-US" dirty="0" err="1">
                 <a:latin typeface="Abadi" panose="020B0604020104020204" pitchFamily="34" charset="0"/>
@@ -41091,17 +41223,13 @@
               <a:rPr lang="en-US" dirty="0">
                 <a:latin typeface="Abadi" panose="020B0604020104020204" pitchFamily="34" charset="0"/>
               </a:rPr>
-              <a:t> t</a:t>
-            </a:r>
-            <a:r>
-              <a:rPr lang="vi-VN" dirty="0"/>
-              <a:t>ư</a:t>
-            </a:r>
-            <a:r>
-              <a:rPr lang="en-US" dirty="0" err="1">
-                <a:latin typeface="Abadi" panose="020B0604020104020204" pitchFamily="34" charset="0"/>
-              </a:rPr>
-              <a:t>ợng</a:t>
+              <a:t> </a:t>
+            </a:r>
+            <a:r>
+              <a:rPr lang="en-US" dirty="0" err="1">
+                <a:latin typeface="Abadi" panose="020B0604020104020204" pitchFamily="34" charset="0"/>
+              </a:rPr>
+              <a:t>tượng</a:t>
             </a:r>
             <a:r>
               <a:rPr lang="en-US" dirty="0">
@@ -41224,7 +41352,7 @@
             </p:nvSpPr>
             <p:spPr>
               <a:xfrm>
-                <a:off x="4951411" y="5410200"/>
+                <a:off x="1255711" y="5131904"/>
                 <a:ext cx="2286000" cy="762000"/>
               </a:xfrm>
               <a:prstGeom prst="roundRect">
@@ -41335,7 +41463,7 @@
             </p:nvSpPr>
             <p:spPr>
               <a:xfrm>
-                <a:off x="4951411" y="5410200"/>
+                <a:off x="1255711" y="5131904"/>
                 <a:ext cx="2286000" cy="762000"/>
               </a:xfrm>
               <a:prstGeom prst="roundRect">
@@ -41366,6 +41494,112 @@
           </p:sp>
         </mc:Fallback>
       </mc:AlternateContent>
+      <p:sp>
+        <p:nvSpPr>
+          <p:cNvPr id="7" name="TextBox 6">
+            <a:extLst>
+              <a:ext uri="{FF2B5EF4-FFF2-40B4-BE49-F238E27FC236}">
+                <a16:creationId xmlns:a16="http://schemas.microsoft.com/office/drawing/2014/main" id="{2DDB6750-C649-413A-9449-4719AA1B76F5}"/>
+              </a:ext>
+            </a:extLst>
+          </p:cNvPr>
+          <p:cNvSpPr txBox="1"/>
+          <p:nvPr/>
+        </p:nvSpPr>
+        <p:spPr>
+          <a:xfrm>
+            <a:off x="227012" y="4606823"/>
+            <a:ext cx="3956592" cy="369332"/>
+          </a:xfrm>
+          <a:prstGeom prst="rect">
+            <a:avLst/>
+          </a:prstGeom>
+          <a:noFill/>
+          <a:ln>
+            <a:noFill/>
+          </a:ln>
+        </p:spPr>
+        <p:txBody>
+          <a:bodyPr wrap="square" rtlCol="0" anchor="ctr" anchorCtr="1">
+            <a:spAutoFit/>
+          </a:bodyPr>
+          <a:lstStyle/>
+          <a:p>
+            <a:r>
+              <a:rPr lang="en-US" b="1" dirty="0" err="1">
+                <a:latin typeface="Abadi" panose="020B0604020104020204" pitchFamily="34" charset="0"/>
+              </a:rPr>
+              <a:t>Chỉ</a:t>
+            </a:r>
+            <a:r>
+              <a:rPr lang="en-US" b="1" dirty="0">
+                <a:latin typeface="Abadi" panose="020B0604020104020204" pitchFamily="34" charset="0"/>
+              </a:rPr>
+              <a:t> </a:t>
+            </a:r>
+            <a:r>
+              <a:rPr lang="en-US" b="1" dirty="0" err="1">
+                <a:latin typeface="Abadi" panose="020B0604020104020204" pitchFamily="34" charset="0"/>
+              </a:rPr>
+              <a:t>số</a:t>
+            </a:r>
+            <a:r>
+              <a:rPr lang="en-US" b="1" dirty="0">
+                <a:latin typeface="Abadi" panose="020B0604020104020204" pitchFamily="34" charset="0"/>
+              </a:rPr>
+              <a:t> </a:t>
+            </a:r>
+            <a:r>
+              <a:rPr lang="en-US" b="1" dirty="0" err="1">
+                <a:latin typeface="Abadi" panose="020B0604020104020204" pitchFamily="34" charset="0"/>
+              </a:rPr>
+              <a:t>đánh</a:t>
+            </a:r>
+            <a:r>
+              <a:rPr lang="en-US" b="1" dirty="0">
+                <a:latin typeface="Abadi" panose="020B0604020104020204" pitchFamily="34" charset="0"/>
+              </a:rPr>
+              <a:t> </a:t>
+            </a:r>
+            <a:r>
+              <a:rPr lang="en-US" b="1" dirty="0" err="1">
+                <a:latin typeface="Abadi" panose="020B0604020104020204" pitchFamily="34" charset="0"/>
+              </a:rPr>
+              <a:t>giá</a:t>
+            </a:r>
+            <a:r>
+              <a:rPr lang="en-US" b="1" dirty="0">
+                <a:latin typeface="Abadi" panose="020B0604020104020204" pitchFamily="34" charset="0"/>
+              </a:rPr>
+              <a:t> </a:t>
+            </a:r>
+            <a:r>
+              <a:rPr lang="en-US" b="1" dirty="0" err="1">
+                <a:latin typeface="Abadi" panose="020B0604020104020204" pitchFamily="34" charset="0"/>
+              </a:rPr>
+              <a:t>phù</a:t>
+            </a:r>
+            <a:r>
+              <a:rPr lang="en-US" b="1" dirty="0">
+                <a:latin typeface="Abadi" panose="020B0604020104020204" pitchFamily="34" charset="0"/>
+              </a:rPr>
+              <a:t> </a:t>
+            </a:r>
+            <a:r>
+              <a:rPr lang="en-US" b="1" dirty="0" err="1">
+                <a:latin typeface="Abadi" panose="020B0604020104020204" pitchFamily="34" charset="0"/>
+              </a:rPr>
+              <a:t>hợp</a:t>
+            </a:r>
+            <a:r>
+              <a:rPr lang="en-US" b="1" dirty="0">
+                <a:latin typeface="Abadi" panose="020B0604020104020204" pitchFamily="34" charset="0"/>
+              </a:rPr>
+              <a:t>:</a:t>
+            </a:r>
+          </a:p>
+        </p:txBody>
+      </p:sp>
     </p:spTree>
     <p:extLst>
       <p:ext uri="{BB962C8B-B14F-4D97-AF65-F5344CB8AC3E}">
@@ -41503,8 +41737,8 @@
         </p:blipFill>
         <p:spPr>
           <a:xfrm>
-            <a:off x="3796165" y="1668256"/>
-            <a:ext cx="4596493" cy="1997488"/>
+            <a:off x="989012" y="2498111"/>
+            <a:ext cx="6137132" cy="2667000"/>
           </a:xfrm>
           <a:prstGeom prst="roundRect">
             <a:avLst>
@@ -41557,8 +41791,8 @@
         </p:blipFill>
         <p:spPr>
           <a:xfrm>
-            <a:off x="2348365" y="3886200"/>
-            <a:ext cx="2895600" cy="2284678"/>
+            <a:off x="7923212" y="2497371"/>
+            <a:ext cx="3380155" cy="2667000"/>
           </a:xfrm>
           <a:prstGeom prst="roundRect">
             <a:avLst>
@@ -41578,49 +41812,228 @@
           </a:effectLst>
         </p:spPr>
       </p:pic>
-      <p:pic>
-        <p:nvPicPr>
-          <p:cNvPr id="7" name="Picture 6">
+      <p:sp>
+        <p:nvSpPr>
+          <p:cNvPr id="9" name="Text Placeholder 2">
             <a:extLst>
               <a:ext uri="{FF2B5EF4-FFF2-40B4-BE49-F238E27FC236}">
-                <a16:creationId xmlns:a16="http://schemas.microsoft.com/office/drawing/2014/main" id="{246202BC-9762-49E8-8AB7-FB9D49A94D61}"/>
+                <a16:creationId xmlns:a16="http://schemas.microsoft.com/office/drawing/2014/main" id="{799CEA6A-3675-4A25-B5CF-122F4B520688}"/>
               </a:ext>
             </a:extLst>
           </p:cNvPr>
-          <p:cNvPicPr>
-            <a:picLocks noChangeAspect="1"/>
-          </p:cNvPicPr>
+          <p:cNvSpPr txBox="1">
+            <a:spLocks/>
+          </p:cNvSpPr>
           <p:nvPr/>
-        </p:nvPicPr>
-        <p:blipFill>
-          <a:blip r:embed="rId4"/>
-          <a:stretch>
-            <a:fillRect/>
-          </a:stretch>
-        </p:blipFill>
+        </p:nvSpPr>
         <p:spPr>
           <a:xfrm>
-            <a:off x="7178474" y="3886200"/>
-            <a:ext cx="2428368" cy="2284678"/>
+            <a:off x="2779712" y="5604342"/>
+            <a:ext cx="6629400" cy="533400"/>
           </a:xfrm>
-          <a:prstGeom prst="roundRect">
-            <a:avLst>
-              <a:gd name="adj" fmla="val 8594"/>
-            </a:avLst>
+          <a:prstGeom prst="rect">
+            <a:avLst/>
           </a:prstGeom>
-          <a:solidFill>
-            <a:srgbClr val="FFFFFF">
-              <a:shade val="85000"/>
-            </a:srgbClr>
-          </a:solidFill>
-          <a:ln>
-            <a:noFill/>
-          </a:ln>
-          <a:effectLst>
-            <a:reflection blurRad="12700" stA="38000" endPos="28000" dist="5000" dir="5400000" sy="-100000" algn="bl" rotWithShape="0"/>
-          </a:effectLst>
         </p:spPr>
-      </p:pic>
+        <p:txBody>
+          <a:bodyPr vert="horz" lIns="91440" tIns="45720" rIns="91440" bIns="45720" rtlCol="0">
+            <a:normAutofit fontScale="92500" lnSpcReduction="20000"/>
+          </a:bodyPr>
+          <a:lstStyle>
+            <a:lvl1pPr marL="223838" indent="-223838" algn="l" defTabSz="914400" rtl="0" eaLnBrk="1" latinLnBrk="0" hangingPunct="1">
+              <a:lnSpc>
+                <a:spcPct val="90000"/>
+              </a:lnSpc>
+              <a:spcBef>
+                <a:spcPts val="1800"/>
+              </a:spcBef>
+              <a:buClr>
+                <a:schemeClr val="accent1"/>
+              </a:buClr>
+              <a:buSzPct val="100000"/>
+              <a:buFont typeface="Arial" pitchFamily="34" charset="0"/>
+              <a:buChar char="•"/>
+              <a:defRPr sz="2400" kern="1200">
+                <a:solidFill>
+                  <a:schemeClr val="tx1"/>
+                </a:solidFill>
+                <a:latin typeface="Abadi" panose="020B0604020104020204" pitchFamily="34" charset="0"/>
+                <a:ea typeface="+mn-ea"/>
+                <a:cs typeface="+mn-cs"/>
+              </a:defRPr>
+            </a:lvl1pPr>
+            <a:lvl2pPr marL="463550" indent="-231775" algn="l" defTabSz="914400" rtl="0" eaLnBrk="1" latinLnBrk="0" hangingPunct="1">
+              <a:lnSpc>
+                <a:spcPct val="90000"/>
+              </a:lnSpc>
+              <a:spcBef>
+                <a:spcPts val="1200"/>
+              </a:spcBef>
+              <a:buClr>
+                <a:schemeClr val="accent1"/>
+              </a:buClr>
+              <a:buSzPct val="100000"/>
+              <a:buFont typeface="Arial" pitchFamily="34" charset="0"/>
+              <a:buChar char="•"/>
+              <a:defRPr sz="2000" kern="1200">
+                <a:solidFill>
+                  <a:schemeClr val="tx1"/>
+                </a:solidFill>
+                <a:latin typeface="Abadi" panose="020B0604020104020204" pitchFamily="34" charset="0"/>
+                <a:ea typeface="+mn-ea"/>
+                <a:cs typeface="+mn-cs"/>
+              </a:defRPr>
+            </a:lvl2pPr>
+            <a:lvl3pPr marL="682625" indent="-219075" algn="l" defTabSz="914400" rtl="0" eaLnBrk="1" latinLnBrk="0" hangingPunct="1">
+              <a:lnSpc>
+                <a:spcPct val="90000"/>
+              </a:lnSpc>
+              <a:spcBef>
+                <a:spcPts val="600"/>
+              </a:spcBef>
+              <a:buClr>
+                <a:schemeClr val="accent1"/>
+              </a:buClr>
+              <a:buSzPct val="100000"/>
+              <a:buFont typeface="Arial" pitchFamily="34" charset="0"/>
+              <a:buChar char="•"/>
+              <a:defRPr sz="1800" kern="1200">
+                <a:solidFill>
+                  <a:schemeClr val="tx1"/>
+                </a:solidFill>
+                <a:latin typeface="Abadi" panose="020B0604020104020204" pitchFamily="34" charset="0"/>
+                <a:ea typeface="+mn-ea"/>
+                <a:cs typeface="+mn-cs"/>
+              </a:defRPr>
+            </a:lvl3pPr>
+            <a:lvl4pPr marL="857250" indent="-174625" algn="l" defTabSz="914400" rtl="0" eaLnBrk="1" latinLnBrk="0" hangingPunct="1">
+              <a:lnSpc>
+                <a:spcPct val="90000"/>
+              </a:lnSpc>
+              <a:spcBef>
+                <a:spcPts val="600"/>
+              </a:spcBef>
+              <a:buClr>
+                <a:schemeClr val="accent1"/>
+              </a:buClr>
+              <a:buSzPct val="100000"/>
+              <a:buFont typeface="Arial" pitchFamily="34" charset="0"/>
+              <a:buChar char="•"/>
+              <a:defRPr sz="1600" kern="1200">
+                <a:solidFill>
+                  <a:schemeClr val="tx1"/>
+                </a:solidFill>
+                <a:latin typeface="Abadi" panose="020B0604020104020204" pitchFamily="34" charset="0"/>
+                <a:ea typeface="+mn-ea"/>
+                <a:cs typeface="+mn-cs"/>
+              </a:defRPr>
+            </a:lvl4pPr>
+            <a:lvl5pPr marL="1030288" indent="-173038" algn="l" defTabSz="914400" rtl="0" eaLnBrk="1" latinLnBrk="0" hangingPunct="1">
+              <a:lnSpc>
+                <a:spcPct val="90000"/>
+              </a:lnSpc>
+              <a:spcBef>
+                <a:spcPts val="600"/>
+              </a:spcBef>
+              <a:buClr>
+                <a:schemeClr val="accent1"/>
+              </a:buClr>
+              <a:buSzPct val="100000"/>
+              <a:buFont typeface="Arial" pitchFamily="34" charset="0"/>
+              <a:buChar char="•"/>
+              <a:defRPr sz="1600" kern="1200">
+                <a:solidFill>
+                  <a:schemeClr val="tx1"/>
+                </a:solidFill>
+                <a:latin typeface="Abadi" panose="020B0604020104020204" pitchFamily="34" charset="0"/>
+                <a:ea typeface="+mn-ea"/>
+                <a:cs typeface="+mn-cs"/>
+              </a:defRPr>
+            </a:lvl5pPr>
+            <a:lvl6pPr marL="1207008" indent="-173736" algn="l" defTabSz="914400" rtl="0" eaLnBrk="1" latinLnBrk="0" hangingPunct="1">
+              <a:spcBef>
+                <a:spcPts val="600"/>
+              </a:spcBef>
+              <a:buClr>
+                <a:schemeClr val="accent1"/>
+              </a:buClr>
+              <a:buFont typeface="Arial" pitchFamily="34" charset="0"/>
+              <a:buChar char="•"/>
+              <a:defRPr sz="1600" kern="1200">
+                <a:solidFill>
+                  <a:schemeClr val="tx1"/>
+                </a:solidFill>
+                <a:latin typeface="+mn-lt"/>
+                <a:ea typeface="+mn-ea"/>
+                <a:cs typeface="+mn-cs"/>
+              </a:defRPr>
+            </a:lvl6pPr>
+            <a:lvl7pPr marL="1380744" indent="-173736" algn="l" defTabSz="914400" rtl="0" eaLnBrk="1" latinLnBrk="0" hangingPunct="1">
+              <a:spcBef>
+                <a:spcPts val="600"/>
+              </a:spcBef>
+              <a:buClr>
+                <a:schemeClr val="accent1"/>
+              </a:buClr>
+              <a:buFont typeface="Arial" pitchFamily="34" charset="0"/>
+              <a:buChar char="•"/>
+              <a:defRPr sz="1600" kern="1200">
+                <a:solidFill>
+                  <a:schemeClr val="tx1"/>
+                </a:solidFill>
+                <a:latin typeface="+mn-lt"/>
+                <a:ea typeface="+mn-ea"/>
+                <a:cs typeface="+mn-cs"/>
+              </a:defRPr>
+            </a:lvl7pPr>
+            <a:lvl8pPr marL="1554480" indent="-173736" algn="l" defTabSz="914400" rtl="0" eaLnBrk="1" latinLnBrk="0" hangingPunct="1">
+              <a:spcBef>
+                <a:spcPts val="600"/>
+              </a:spcBef>
+              <a:buClr>
+                <a:schemeClr val="accent1"/>
+              </a:buClr>
+              <a:buFont typeface="Arial" pitchFamily="34" charset="0"/>
+              <a:buChar char="•"/>
+              <a:defRPr sz="1600" kern="1200">
+                <a:solidFill>
+                  <a:schemeClr val="tx1"/>
+                </a:solidFill>
+                <a:latin typeface="+mn-lt"/>
+                <a:ea typeface="+mn-ea"/>
+                <a:cs typeface="+mn-cs"/>
+              </a:defRPr>
+            </a:lvl8pPr>
+            <a:lvl9pPr marL="1728216" indent="-173736" algn="l" defTabSz="914400" rtl="0" eaLnBrk="1" latinLnBrk="0" hangingPunct="1">
+              <a:spcBef>
+                <a:spcPts val="600"/>
+              </a:spcBef>
+              <a:buClr>
+                <a:schemeClr val="accent1"/>
+              </a:buClr>
+              <a:buFont typeface="Arial" pitchFamily="34" charset="0"/>
+              <a:buChar char="•"/>
+              <a:defRPr sz="1600" kern="1200">
+                <a:solidFill>
+                  <a:schemeClr val="tx1"/>
+                </a:solidFill>
+                <a:latin typeface="+mn-lt"/>
+                <a:ea typeface="+mn-ea"/>
+                <a:cs typeface="+mn-cs"/>
+              </a:defRPr>
+            </a:lvl9pPr>
+          </a:lstStyle>
+          <a:p>
+            <a:pPr marL="0" indent="0" algn="ctr">
+              <a:buNone/>
+            </a:pPr>
+            <a:r>
+              <a:rPr lang="en-US" sz="4000" b="1" dirty="0"/>
+              <a:t>Gradient Boosting Classifier</a:t>
+            </a:r>
+          </a:p>
+        </p:txBody>
+      </p:sp>
     </p:spTree>
     <p:extLst>
       <p:ext uri="{BB962C8B-B14F-4D97-AF65-F5344CB8AC3E}">
@@ -41758,8 +42171,8 @@
         </p:blipFill>
         <p:spPr>
           <a:xfrm>
-            <a:off x="4123880" y="1614756"/>
-            <a:ext cx="3949321" cy="1997488"/>
+            <a:off x="1035806" y="2486448"/>
+            <a:ext cx="5641637" cy="2853428"/>
           </a:xfrm>
           <a:prstGeom prst="roundRect">
             <a:avLst>
@@ -41812,8 +42225,8 @@
         </p:blipFill>
         <p:spPr>
           <a:xfrm>
-            <a:off x="2667768" y="3898777"/>
-            <a:ext cx="2912223" cy="2297794"/>
+            <a:off x="7542212" y="2438400"/>
+            <a:ext cx="3610807" cy="2848989"/>
           </a:xfrm>
           <a:prstGeom prst="roundRect">
             <a:avLst>
@@ -41833,49 +42246,228 @@
           </a:effectLst>
         </p:spPr>
       </p:pic>
-      <p:pic>
-        <p:nvPicPr>
-          <p:cNvPr id="13" name="Picture 12">
+      <p:sp>
+        <p:nvSpPr>
+          <p:cNvPr id="6" name="Text Placeholder 2">
             <a:extLst>
               <a:ext uri="{FF2B5EF4-FFF2-40B4-BE49-F238E27FC236}">
-                <a16:creationId xmlns:a16="http://schemas.microsoft.com/office/drawing/2014/main" id="{8238757D-B708-4FED-AE58-C47DFAF80576}"/>
+                <a16:creationId xmlns:a16="http://schemas.microsoft.com/office/drawing/2014/main" id="{A6B0307E-E5B2-4414-AAFD-2BA3219ACAD2}"/>
               </a:ext>
             </a:extLst>
           </p:cNvPr>
-          <p:cNvPicPr>
-            <a:picLocks noChangeAspect="1"/>
-          </p:cNvPicPr>
+          <p:cNvSpPr txBox="1">
+            <a:spLocks/>
+          </p:cNvSpPr>
           <p:nvPr/>
-        </p:nvPicPr>
-        <p:blipFill>
-          <a:blip r:embed="rId4"/>
-          <a:stretch>
-            <a:fillRect/>
-          </a:stretch>
-        </p:blipFill>
+        </p:nvSpPr>
         <p:spPr>
           <a:xfrm>
-            <a:off x="6852046" y="3898777"/>
-            <a:ext cx="2442309" cy="2297794"/>
+            <a:off x="3789362" y="5768924"/>
+            <a:ext cx="4610100" cy="533400"/>
           </a:xfrm>
-          <a:prstGeom prst="roundRect">
-            <a:avLst>
-              <a:gd name="adj" fmla="val 8594"/>
-            </a:avLst>
+          <a:prstGeom prst="rect">
+            <a:avLst/>
           </a:prstGeom>
-          <a:solidFill>
-            <a:srgbClr val="FFFFFF">
-              <a:shade val="85000"/>
-            </a:srgbClr>
-          </a:solidFill>
-          <a:ln>
-            <a:noFill/>
-          </a:ln>
-          <a:effectLst>
-            <a:reflection blurRad="12700" stA="38000" endPos="28000" dist="5000" dir="5400000" sy="-100000" algn="bl" rotWithShape="0"/>
-          </a:effectLst>
         </p:spPr>
-      </p:pic>
+        <p:txBody>
+          <a:bodyPr vert="horz" lIns="91440" tIns="45720" rIns="91440" bIns="45720" rtlCol="0">
+            <a:normAutofit fontScale="92500" lnSpcReduction="20000"/>
+          </a:bodyPr>
+          <a:lstStyle>
+            <a:lvl1pPr marL="223838" indent="-223838" algn="l" defTabSz="914400" rtl="0" eaLnBrk="1" latinLnBrk="0" hangingPunct="1">
+              <a:lnSpc>
+                <a:spcPct val="90000"/>
+              </a:lnSpc>
+              <a:spcBef>
+                <a:spcPts val="1800"/>
+              </a:spcBef>
+              <a:buClr>
+                <a:schemeClr val="accent1"/>
+              </a:buClr>
+              <a:buSzPct val="100000"/>
+              <a:buFont typeface="Arial" pitchFamily="34" charset="0"/>
+              <a:buChar char="•"/>
+              <a:defRPr sz="2400" kern="1200">
+                <a:solidFill>
+                  <a:schemeClr val="tx1"/>
+                </a:solidFill>
+                <a:latin typeface="Abadi" panose="020B0604020104020204" pitchFamily="34" charset="0"/>
+                <a:ea typeface="+mn-ea"/>
+                <a:cs typeface="+mn-cs"/>
+              </a:defRPr>
+            </a:lvl1pPr>
+            <a:lvl2pPr marL="463550" indent="-231775" algn="l" defTabSz="914400" rtl="0" eaLnBrk="1" latinLnBrk="0" hangingPunct="1">
+              <a:lnSpc>
+                <a:spcPct val="90000"/>
+              </a:lnSpc>
+              <a:spcBef>
+                <a:spcPts val="1200"/>
+              </a:spcBef>
+              <a:buClr>
+                <a:schemeClr val="accent1"/>
+              </a:buClr>
+              <a:buSzPct val="100000"/>
+              <a:buFont typeface="Arial" pitchFamily="34" charset="0"/>
+              <a:buChar char="•"/>
+              <a:defRPr sz="2000" kern="1200">
+                <a:solidFill>
+                  <a:schemeClr val="tx1"/>
+                </a:solidFill>
+                <a:latin typeface="Abadi" panose="020B0604020104020204" pitchFamily="34" charset="0"/>
+                <a:ea typeface="+mn-ea"/>
+                <a:cs typeface="+mn-cs"/>
+              </a:defRPr>
+            </a:lvl2pPr>
+            <a:lvl3pPr marL="682625" indent="-219075" algn="l" defTabSz="914400" rtl="0" eaLnBrk="1" latinLnBrk="0" hangingPunct="1">
+              <a:lnSpc>
+                <a:spcPct val="90000"/>
+              </a:lnSpc>
+              <a:spcBef>
+                <a:spcPts val="600"/>
+              </a:spcBef>
+              <a:buClr>
+                <a:schemeClr val="accent1"/>
+              </a:buClr>
+              <a:buSzPct val="100000"/>
+              <a:buFont typeface="Arial" pitchFamily="34" charset="0"/>
+              <a:buChar char="•"/>
+              <a:defRPr sz="1800" kern="1200">
+                <a:solidFill>
+                  <a:schemeClr val="tx1"/>
+                </a:solidFill>
+                <a:latin typeface="Abadi" panose="020B0604020104020204" pitchFamily="34" charset="0"/>
+                <a:ea typeface="+mn-ea"/>
+                <a:cs typeface="+mn-cs"/>
+              </a:defRPr>
+            </a:lvl3pPr>
+            <a:lvl4pPr marL="857250" indent="-174625" algn="l" defTabSz="914400" rtl="0" eaLnBrk="1" latinLnBrk="0" hangingPunct="1">
+              <a:lnSpc>
+                <a:spcPct val="90000"/>
+              </a:lnSpc>
+              <a:spcBef>
+                <a:spcPts val="600"/>
+              </a:spcBef>
+              <a:buClr>
+                <a:schemeClr val="accent1"/>
+              </a:buClr>
+              <a:buSzPct val="100000"/>
+              <a:buFont typeface="Arial" pitchFamily="34" charset="0"/>
+              <a:buChar char="•"/>
+              <a:defRPr sz="1600" kern="1200">
+                <a:solidFill>
+                  <a:schemeClr val="tx1"/>
+                </a:solidFill>
+                <a:latin typeface="Abadi" panose="020B0604020104020204" pitchFamily="34" charset="0"/>
+                <a:ea typeface="+mn-ea"/>
+                <a:cs typeface="+mn-cs"/>
+              </a:defRPr>
+            </a:lvl4pPr>
+            <a:lvl5pPr marL="1030288" indent="-173038" algn="l" defTabSz="914400" rtl="0" eaLnBrk="1" latinLnBrk="0" hangingPunct="1">
+              <a:lnSpc>
+                <a:spcPct val="90000"/>
+              </a:lnSpc>
+              <a:spcBef>
+                <a:spcPts val="600"/>
+              </a:spcBef>
+              <a:buClr>
+                <a:schemeClr val="accent1"/>
+              </a:buClr>
+              <a:buSzPct val="100000"/>
+              <a:buFont typeface="Arial" pitchFamily="34" charset="0"/>
+              <a:buChar char="•"/>
+              <a:defRPr sz="1600" kern="1200">
+                <a:solidFill>
+                  <a:schemeClr val="tx1"/>
+                </a:solidFill>
+                <a:latin typeface="Abadi" panose="020B0604020104020204" pitchFamily="34" charset="0"/>
+                <a:ea typeface="+mn-ea"/>
+                <a:cs typeface="+mn-cs"/>
+              </a:defRPr>
+            </a:lvl5pPr>
+            <a:lvl6pPr marL="1207008" indent="-173736" algn="l" defTabSz="914400" rtl="0" eaLnBrk="1" latinLnBrk="0" hangingPunct="1">
+              <a:spcBef>
+                <a:spcPts val="600"/>
+              </a:spcBef>
+              <a:buClr>
+                <a:schemeClr val="accent1"/>
+              </a:buClr>
+              <a:buFont typeface="Arial" pitchFamily="34" charset="0"/>
+              <a:buChar char="•"/>
+              <a:defRPr sz="1600" kern="1200">
+                <a:solidFill>
+                  <a:schemeClr val="tx1"/>
+                </a:solidFill>
+                <a:latin typeface="+mn-lt"/>
+                <a:ea typeface="+mn-ea"/>
+                <a:cs typeface="+mn-cs"/>
+              </a:defRPr>
+            </a:lvl6pPr>
+            <a:lvl7pPr marL="1380744" indent="-173736" algn="l" defTabSz="914400" rtl="0" eaLnBrk="1" latinLnBrk="0" hangingPunct="1">
+              <a:spcBef>
+                <a:spcPts val="600"/>
+              </a:spcBef>
+              <a:buClr>
+                <a:schemeClr val="accent1"/>
+              </a:buClr>
+              <a:buFont typeface="Arial" pitchFamily="34" charset="0"/>
+              <a:buChar char="•"/>
+              <a:defRPr sz="1600" kern="1200">
+                <a:solidFill>
+                  <a:schemeClr val="tx1"/>
+                </a:solidFill>
+                <a:latin typeface="+mn-lt"/>
+                <a:ea typeface="+mn-ea"/>
+                <a:cs typeface="+mn-cs"/>
+              </a:defRPr>
+            </a:lvl7pPr>
+            <a:lvl8pPr marL="1554480" indent="-173736" algn="l" defTabSz="914400" rtl="0" eaLnBrk="1" latinLnBrk="0" hangingPunct="1">
+              <a:spcBef>
+                <a:spcPts val="600"/>
+              </a:spcBef>
+              <a:buClr>
+                <a:schemeClr val="accent1"/>
+              </a:buClr>
+              <a:buFont typeface="Arial" pitchFamily="34" charset="0"/>
+              <a:buChar char="•"/>
+              <a:defRPr sz="1600" kern="1200">
+                <a:solidFill>
+                  <a:schemeClr val="tx1"/>
+                </a:solidFill>
+                <a:latin typeface="+mn-lt"/>
+                <a:ea typeface="+mn-ea"/>
+                <a:cs typeface="+mn-cs"/>
+              </a:defRPr>
+            </a:lvl8pPr>
+            <a:lvl9pPr marL="1728216" indent="-173736" algn="l" defTabSz="914400" rtl="0" eaLnBrk="1" latinLnBrk="0" hangingPunct="1">
+              <a:spcBef>
+                <a:spcPts val="600"/>
+              </a:spcBef>
+              <a:buClr>
+                <a:schemeClr val="accent1"/>
+              </a:buClr>
+              <a:buFont typeface="Arial" pitchFamily="34" charset="0"/>
+              <a:buChar char="•"/>
+              <a:defRPr sz="1600" kern="1200">
+                <a:solidFill>
+                  <a:schemeClr val="tx1"/>
+                </a:solidFill>
+                <a:latin typeface="+mn-lt"/>
+                <a:ea typeface="+mn-ea"/>
+                <a:cs typeface="+mn-cs"/>
+              </a:defRPr>
+            </a:lvl9pPr>
+          </a:lstStyle>
+          <a:p>
+            <a:pPr marL="0" indent="0" algn="ctr">
+              <a:buNone/>
+            </a:pPr>
+            <a:r>
+              <a:rPr lang="en-US" sz="4000" b="1" dirty="0"/>
+              <a:t>Bagging Classifier</a:t>
+            </a:r>
+          </a:p>
+        </p:txBody>
+      </p:sp>
     </p:spTree>
     <p:extLst>
       <p:ext uri="{BB962C8B-B14F-4D97-AF65-F5344CB8AC3E}">
@@ -42278,7 +42870,7 @@
         </p:blipFill>
         <p:spPr>
           <a:xfrm>
-            <a:off x="1674812" y="1815113"/>
+            <a:off x="3719279" y="1804755"/>
             <a:ext cx="3657600" cy="3657600"/>
           </a:xfrm>
           <a:prstGeom prst="roundRect">
@@ -42373,60 +42965,6 @@
           </a:p>
         </p:txBody>
       </p:sp>
-      <p:pic>
-        <p:nvPicPr>
-          <p:cNvPr id="7" name="Picture 6">
-            <a:extLst>
-              <a:ext uri="{FF2B5EF4-FFF2-40B4-BE49-F238E27FC236}">
-                <a16:creationId xmlns:a16="http://schemas.microsoft.com/office/drawing/2014/main" id="{B7692382-747D-46A9-97AE-BBE991C55CF6}"/>
-              </a:ext>
-            </a:extLst>
-          </p:cNvPr>
-          <p:cNvPicPr>
-            <a:picLocks noChangeAspect="1"/>
-          </p:cNvPicPr>
-          <p:nvPr/>
-        </p:nvPicPr>
-        <p:blipFill>
-          <a:blip r:embed="rId4"/>
-          <a:stretch>
-            <a:fillRect/>
-          </a:stretch>
-        </p:blipFill>
-        <p:spPr>
-          <a:xfrm>
-            <a:off x="6170612" y="1841746"/>
-            <a:ext cx="4876800" cy="3657600"/>
-          </a:xfrm>
-          <a:prstGeom prst="roundRect">
-            <a:avLst>
-              <a:gd name="adj" fmla="val 16667"/>
-            </a:avLst>
-          </a:prstGeom>
-          <a:ln>
-            <a:noFill/>
-          </a:ln>
-          <a:effectLst>
-            <a:outerShdw blurRad="76200" dist="38100" dir="7800000" algn="tl" rotWithShape="0">
-              <a:srgbClr val="000000">
-                <a:alpha val="40000"/>
-              </a:srgbClr>
-            </a:outerShdw>
-          </a:effectLst>
-          <a:scene3d>
-            <a:camera prst="orthographicFront"/>
-            <a:lightRig rig="contrasting" dir="t">
-              <a:rot lat="0" lon="0" rev="4200000"/>
-            </a:lightRig>
-          </a:scene3d>
-          <a:sp3d prstMaterial="plastic">
-            <a:bevelT w="381000" h="114300" prst="relaxedInset"/>
-            <a:contourClr>
-              <a:srgbClr val="969696"/>
-            </a:contourClr>
-          </a:sp3d>
-        </p:spPr>
-      </p:pic>
     </p:spTree>
     <p:extLst>
       <p:ext uri="{BB962C8B-B14F-4D97-AF65-F5344CB8AC3E}">
@@ -42471,7 +43009,13 @@
       </p:grpSpPr>
       <p:sp>
         <p:nvSpPr>
-          <p:cNvPr id="2" name="Title 1"/>
+          <p:cNvPr id="8" name="Title 1">
+            <a:extLst>
+              <a:ext uri="{FF2B5EF4-FFF2-40B4-BE49-F238E27FC236}">
+                <a16:creationId xmlns:a16="http://schemas.microsoft.com/office/drawing/2014/main" id="{02269B32-453F-4A47-8EE9-8DD51AF4CDCA}"/>
+              </a:ext>
+            </a:extLst>
+          </p:cNvPr>
           <p:cNvSpPr>
             <a:spLocks noGrp="1"/>
           </p:cNvSpPr>
@@ -42489,18 +43033,21 @@
           <a:bodyPr/>
           <a:lstStyle/>
           <a:p>
-            <a:pPr algn="ctr"/>
+            <a:r>
+              <a:rPr lang="en-US" dirty="0"/>
+              <a:t>3. So </a:t>
+            </a:r>
             <a:r>
               <a:rPr lang="en-US" dirty="0" err="1"/>
-              <a:t>Tài</a:t>
+              <a:t>sánh</a:t>
             </a:r>
             <a:r>
               <a:rPr lang="en-US" dirty="0"/>
-              <a:t> </a:t>
+              <a:t> Python </a:t>
             </a:r>
             <a:r>
               <a:rPr lang="en-US" dirty="0" err="1"/>
-              <a:t>liệu</a:t>
+              <a:t>và</a:t>
             </a:r>
             <a:r>
               <a:rPr lang="en-US" dirty="0"/>
@@ -42508,213 +43055,166 @@
             </a:r>
             <a:r>
               <a:rPr lang="en-US" dirty="0" err="1"/>
-              <a:t>tham</a:t>
+              <a:t>Cython</a:t>
             </a:r>
             <a:r>
               <a:rPr lang="en-US" dirty="0"/>
-              <a:t> </a:t>
-            </a:r>
-            <a:r>
-              <a:rPr lang="en-US" dirty="0" err="1"/>
-              <a:t>khảo</a:t>
-            </a:r>
-            <a:endParaRPr lang="en-US" dirty="0"/>
+              <a:t>:</a:t>
+            </a:r>
           </a:p>
         </p:txBody>
       </p:sp>
-      <p:sp>
-        <p:nvSpPr>
-          <p:cNvPr id="9" name="TextBox 8">
+      <p:pic>
+        <p:nvPicPr>
+          <p:cNvPr id="7" name="Picture 6">
             <a:extLst>
               <a:ext uri="{FF2B5EF4-FFF2-40B4-BE49-F238E27FC236}">
-                <a16:creationId xmlns:a16="http://schemas.microsoft.com/office/drawing/2014/main" id="{2240B782-8BB6-4E75-A102-D2C7492CECC9}"/>
+                <a16:creationId xmlns:a16="http://schemas.microsoft.com/office/drawing/2014/main" id="{B7692382-747D-46A9-97AE-BBE991C55CF6}"/>
               </a:ext>
             </a:extLst>
           </p:cNvPr>
-          <p:cNvSpPr txBox="1"/>
+          <p:cNvPicPr>
+            <a:picLocks noChangeAspect="1"/>
+          </p:cNvPicPr>
           <p:nvPr/>
-        </p:nvSpPr>
+        </p:nvPicPr>
+        <p:blipFill>
+          <a:blip r:embed="rId2"/>
+          <a:stretch>
+            <a:fillRect/>
+          </a:stretch>
+        </p:blipFill>
         <p:spPr>
           <a:xfrm>
-            <a:off x="150812" y="2028616"/>
-            <a:ext cx="11228851" cy="2800767"/>
+            <a:off x="3402012" y="1981200"/>
+            <a:ext cx="5384800" cy="4038600"/>
           </a:xfrm>
           <a:prstGeom prst="rect">
             <a:avLst/>
           </a:prstGeom>
-          <a:noFill/>
           <a:ln>
             <a:noFill/>
           </a:ln>
+          <a:effectLst>
+            <a:softEdge rad="112500"/>
+          </a:effectLst>
         </p:spPr>
-        <p:txBody>
-          <a:bodyPr wrap="square" rtlCol="0" anchor="ctr" anchorCtr="1">
-            <a:spAutoFit/>
-          </a:bodyPr>
-          <a:lstStyle/>
-          <a:p>
-            <a:r>
-              <a:rPr lang="en-US" sz="1600" dirty="0">
-                <a:latin typeface="Abadi" panose="020B0604020104020204" pitchFamily="34" charset="0"/>
-              </a:rPr>
-              <a:t>[1] Giulio </a:t>
-            </a:r>
-            <a:r>
-              <a:rPr lang="en-US" sz="1600" dirty="0" err="1">
-                <a:latin typeface="Abadi" panose="020B0604020104020204" pitchFamily="34" charset="0"/>
-              </a:rPr>
-              <a:t>Carlone</a:t>
-            </a:r>
-            <a:r>
-              <a:rPr lang="en-US" sz="1600" dirty="0">
-                <a:latin typeface="Abadi" panose="020B0604020104020204" pitchFamily="34" charset="0"/>
-              </a:rPr>
-              <a:t> (2021), Introduction to Credit Risk, CRC Press, </a:t>
-            </a:r>
-            <a:r>
-              <a:rPr lang="en-US" sz="1600" dirty="0" err="1">
-                <a:latin typeface="Abadi" panose="020B0604020104020204" pitchFamily="34" charset="0"/>
-              </a:rPr>
-              <a:t>BocaRaton</a:t>
-            </a:r>
-            <a:r>
-              <a:rPr lang="en-US" sz="1600" dirty="0">
-                <a:latin typeface="Abadi" panose="020B0604020104020204" pitchFamily="34" charset="0"/>
-              </a:rPr>
-              <a:t> United States of America</a:t>
-            </a:r>
-          </a:p>
-          <a:p>
-            <a:endParaRPr lang="en-US" sz="1600" dirty="0">
-              <a:latin typeface="Abadi" panose="020B0604020104020204" pitchFamily="34" charset="0"/>
-            </a:endParaRPr>
-          </a:p>
-          <a:p>
-            <a:r>
-              <a:rPr lang="en-US" sz="1600" dirty="0">
-                <a:latin typeface="Abadi" panose="020B0604020104020204" pitchFamily="34" charset="0"/>
-              </a:rPr>
-              <a:t>[2] Khan Academy (2025), Multivariable Calculus Tutorial</a:t>
-            </a:r>
-          </a:p>
-          <a:p>
-            <a:endParaRPr lang="en-US" sz="1600" dirty="0">
-              <a:latin typeface="Abadi" panose="020B0604020104020204" pitchFamily="34" charset="0"/>
-            </a:endParaRPr>
-          </a:p>
-          <a:p>
-            <a:r>
-              <a:rPr lang="en-US" sz="1600" dirty="0">
-                <a:latin typeface="Abadi" panose="020B0604020104020204" pitchFamily="34" charset="0"/>
-              </a:rPr>
-              <a:t>[3] Stern </a:t>
-            </a:r>
-            <a:r>
-              <a:rPr lang="en-US" sz="1600" dirty="0" err="1">
-                <a:latin typeface="Abadi" panose="020B0604020104020204" pitchFamily="34" charset="0"/>
-              </a:rPr>
-              <a:t>Semasuka</a:t>
-            </a:r>
-            <a:r>
-              <a:rPr lang="en-US" sz="1600" dirty="0">
-                <a:latin typeface="Abadi" panose="020B0604020104020204" pitchFamily="34" charset="0"/>
-              </a:rPr>
-              <a:t> (2022), Blog for Credit Card Approval Prediction</a:t>
-            </a:r>
-          </a:p>
-          <a:p>
-            <a:endParaRPr lang="en-US" sz="1600" dirty="0">
-              <a:latin typeface="Abadi" panose="020B0604020104020204" pitchFamily="34" charset="0"/>
-            </a:endParaRPr>
-          </a:p>
-          <a:p>
-            <a:r>
-              <a:rPr lang="en-US" sz="1600" dirty="0">
-                <a:latin typeface="Abadi" panose="020B0604020104020204" pitchFamily="34" charset="0"/>
-              </a:rPr>
-              <a:t>[4] Ng Yong </a:t>
-            </a:r>
-            <a:r>
-              <a:rPr lang="en-US" sz="1600" dirty="0" err="1">
-                <a:latin typeface="Abadi" panose="020B0604020104020204" pitchFamily="34" charset="0"/>
-              </a:rPr>
-              <a:t>Kad</a:t>
-            </a:r>
-            <a:r>
-              <a:rPr lang="en-US" sz="1600" dirty="0">
-                <a:latin typeface="Abadi" panose="020B0604020104020204" pitchFamily="34" charset="0"/>
-              </a:rPr>
-              <a:t> (2020), Credit Scoring Development Using R</a:t>
-            </a:r>
-          </a:p>
-          <a:p>
-            <a:endParaRPr lang="en-US" sz="1600" dirty="0">
-              <a:latin typeface="Abadi" panose="020B0604020104020204" pitchFamily="34" charset="0"/>
-            </a:endParaRPr>
-          </a:p>
-          <a:p>
-            <a:r>
-              <a:rPr lang="en-US" sz="1600" dirty="0">
-                <a:latin typeface="Abadi" panose="020B0604020104020204" pitchFamily="34" charset="0"/>
-              </a:rPr>
-              <a:t>[5] </a:t>
-            </a:r>
-            <a:r>
-              <a:rPr lang="en-US" sz="1600" dirty="0" err="1">
-                <a:latin typeface="Abadi" panose="020B0604020104020204" pitchFamily="34" charset="0"/>
-              </a:rPr>
-              <a:t>Phạm</a:t>
-            </a:r>
-            <a:r>
-              <a:rPr lang="en-US" sz="1600" dirty="0">
-                <a:latin typeface="Abadi" panose="020B0604020104020204" pitchFamily="34" charset="0"/>
-              </a:rPr>
-              <a:t> </a:t>
-            </a:r>
-            <a:r>
-              <a:rPr lang="en-US" sz="1600" dirty="0" err="1">
-                <a:latin typeface="Abadi" panose="020B0604020104020204" pitchFamily="34" charset="0"/>
-              </a:rPr>
-              <a:t>Đình</a:t>
-            </a:r>
-            <a:r>
-              <a:rPr lang="en-US" sz="1600" dirty="0">
-                <a:latin typeface="Abadi" panose="020B0604020104020204" pitchFamily="34" charset="0"/>
-              </a:rPr>
-              <a:t> </a:t>
-            </a:r>
-            <a:r>
-              <a:rPr lang="en-US" sz="1600" dirty="0" err="1">
-                <a:latin typeface="Abadi" panose="020B0604020104020204" pitchFamily="34" charset="0"/>
-              </a:rPr>
-              <a:t>Khánh</a:t>
-            </a:r>
-            <a:r>
-              <a:rPr lang="en-US" sz="1600" dirty="0">
-                <a:latin typeface="Abadi" panose="020B0604020104020204" pitchFamily="34" charset="0"/>
-              </a:rPr>
-              <a:t> (2021), Credit Score Card with Deep AI Book</a:t>
-            </a:r>
-          </a:p>
-          <a:p>
-            <a:endParaRPr lang="en-US" sz="1600" dirty="0">
-              <a:latin typeface="Abadi" panose="020B0604020104020204" pitchFamily="34" charset="0"/>
-            </a:endParaRPr>
-          </a:p>
-          <a:p>
-            <a:r>
-              <a:rPr lang="en-US" sz="1600" dirty="0">
-                <a:latin typeface="Abadi" panose="020B0604020104020204" pitchFamily="34" charset="0"/>
-              </a:rPr>
-              <a:t>[6] Kaggle (2024), Free Datasets for Data Science Community</a:t>
-            </a:r>
-          </a:p>
-        </p:txBody>
-      </p:sp>
+      </p:pic>
+      <p:pic>
+        <p:nvPicPr>
+          <p:cNvPr id="2" name="Picture 1">
+            <a:extLst>
+              <a:ext uri="{FF2B5EF4-FFF2-40B4-BE49-F238E27FC236}">
+                <a16:creationId xmlns:a16="http://schemas.microsoft.com/office/drawing/2014/main" id="{5E523776-83EA-491F-9CC1-A88141A72308}"/>
+              </a:ext>
+            </a:extLst>
+          </p:cNvPr>
+          <p:cNvPicPr>
+            <a:picLocks noChangeAspect="1"/>
+          </p:cNvPicPr>
+          <p:nvPr/>
+        </p:nvPicPr>
+        <p:blipFill>
+          <a:blip r:embed="rId3"/>
+          <a:stretch>
+            <a:fillRect/>
+          </a:stretch>
+        </p:blipFill>
+        <p:spPr>
+          <a:xfrm>
+            <a:off x="1065212" y="2990850"/>
+            <a:ext cx="2019300" cy="2019300"/>
+          </a:xfrm>
+          <a:prstGeom prst="ellipse">
+            <a:avLst/>
+          </a:prstGeom>
+          <a:ln w="63500" cap="rnd">
+            <a:solidFill>
+              <a:srgbClr val="333333"/>
+            </a:solidFill>
+          </a:ln>
+          <a:effectLst>
+            <a:outerShdw blurRad="381000" dist="292100" dir="5400000" sx="-80000" sy="-18000" rotWithShape="0">
+              <a:srgbClr val="000000">
+                <a:alpha val="22000"/>
+              </a:srgbClr>
+            </a:outerShdw>
+          </a:effectLst>
+          <a:scene3d>
+            <a:camera prst="orthographicFront"/>
+            <a:lightRig rig="contrasting" dir="t">
+              <a:rot lat="0" lon="0" rev="3000000"/>
+            </a:lightRig>
+          </a:scene3d>
+          <a:sp3d contourW="7620">
+            <a:bevelT w="95250" h="31750"/>
+            <a:contourClr>
+              <a:srgbClr val="333333"/>
+            </a:contourClr>
+          </a:sp3d>
+        </p:spPr>
+      </p:pic>
+      <p:pic>
+        <p:nvPicPr>
+          <p:cNvPr id="3" name="Picture 2">
+            <a:extLst>
+              <a:ext uri="{FF2B5EF4-FFF2-40B4-BE49-F238E27FC236}">
+                <a16:creationId xmlns:a16="http://schemas.microsoft.com/office/drawing/2014/main" id="{E7656CC9-1DCF-44AE-805B-2317883052B1}"/>
+              </a:ext>
+            </a:extLst>
+          </p:cNvPr>
+          <p:cNvPicPr>
+            <a:picLocks noChangeAspect="1"/>
+          </p:cNvPicPr>
+          <p:nvPr/>
+        </p:nvPicPr>
+        <p:blipFill>
+          <a:blip r:embed="rId4"/>
+          <a:stretch>
+            <a:fillRect/>
+          </a:stretch>
+        </p:blipFill>
+        <p:spPr>
+          <a:xfrm>
+            <a:off x="9218612" y="2933700"/>
+            <a:ext cx="2133600" cy="2133600"/>
+          </a:xfrm>
+          <a:prstGeom prst="ellipse">
+            <a:avLst/>
+          </a:prstGeom>
+          <a:solidFill>
+            <a:schemeClr val="tx1"/>
+          </a:solidFill>
+          <a:ln w="63500" cap="rnd">
+            <a:solidFill>
+              <a:srgbClr val="333333"/>
+            </a:solidFill>
+          </a:ln>
+          <a:effectLst>
+            <a:outerShdw blurRad="381000" dist="292100" dir="5400000" sx="-80000" sy="-18000" rotWithShape="0">
+              <a:srgbClr val="000000">
+                <a:alpha val="22000"/>
+              </a:srgbClr>
+            </a:outerShdw>
+          </a:effectLst>
+          <a:scene3d>
+            <a:camera prst="orthographicFront"/>
+            <a:lightRig rig="contrasting" dir="t">
+              <a:rot lat="0" lon="0" rev="3000000"/>
+            </a:lightRig>
+          </a:scene3d>
+          <a:sp3d contourW="7620">
+            <a:bevelT w="95250" h="31750"/>
+            <a:contourClr>
+              <a:srgbClr val="333333"/>
+            </a:contourClr>
+          </a:sp3d>
+        </p:spPr>
+      </p:pic>
     </p:spTree>
     <p:extLst>
       <p:ext uri="{BB962C8B-B14F-4D97-AF65-F5344CB8AC3E}">
-        <p14:creationId xmlns:p14="http://schemas.microsoft.com/office/powerpoint/2010/main" val="1415066008"/>
+        <p14:creationId xmlns:p14="http://schemas.microsoft.com/office/powerpoint/2010/main" val="758172946"/>
       </p:ext>
     </p:extLst>
   </p:cSld>
@@ -42755,13 +43255,7 @@
       </p:grpSpPr>
       <p:sp>
         <p:nvSpPr>
-          <p:cNvPr id="2" name="Title 1">
-            <a:extLst>
-              <a:ext uri="{FF2B5EF4-FFF2-40B4-BE49-F238E27FC236}">
-                <a16:creationId xmlns:a16="http://schemas.microsoft.com/office/drawing/2014/main" id="{A629D5BE-76ED-4EB7-A8B2-CAB577F7C139}"/>
-              </a:ext>
-            </a:extLst>
-          </p:cNvPr>
+          <p:cNvPr id="2" name="Title 1"/>
           <p:cNvSpPr>
             <a:spLocks noGrp="1"/>
           </p:cNvSpPr>
@@ -42771,20 +43265,232 @@
         </p:nvSpPr>
         <p:spPr>
           <a:xfrm>
-            <a:off x="797113" y="2209800"/>
-            <a:ext cx="10594598" cy="1981199"/>
+            <a:off x="582148" y="152400"/>
+            <a:ext cx="9931863" cy="1371600"/>
           </a:xfrm>
         </p:spPr>
         <p:txBody>
-          <a:bodyPr>
-            <a:noAutofit/>
+          <a:bodyPr/>
+          <a:lstStyle/>
+          <a:p>
+            <a:pPr algn="ctr"/>
+            <a:r>
+              <a:rPr lang="en-US" dirty="0" err="1"/>
+              <a:t>Tài</a:t>
+            </a:r>
+            <a:r>
+              <a:rPr lang="en-US" dirty="0"/>
+              <a:t> </a:t>
+            </a:r>
+            <a:r>
+              <a:rPr lang="en-US" dirty="0" err="1"/>
+              <a:t>liệu</a:t>
+            </a:r>
+            <a:r>
+              <a:rPr lang="en-US" dirty="0"/>
+              <a:t> </a:t>
+            </a:r>
+            <a:r>
+              <a:rPr lang="en-US" dirty="0" err="1"/>
+              <a:t>tham</a:t>
+            </a:r>
+            <a:r>
+              <a:rPr lang="en-US" dirty="0"/>
+              <a:t> </a:t>
+            </a:r>
+            <a:r>
+              <a:rPr lang="en-US" dirty="0" err="1"/>
+              <a:t>khảo</a:t>
+            </a:r>
+            <a:endParaRPr lang="en-US" dirty="0"/>
+          </a:p>
+        </p:txBody>
+      </p:sp>
+      <p:sp>
+        <p:nvSpPr>
+          <p:cNvPr id="9" name="TextBox 8">
+            <a:extLst>
+              <a:ext uri="{FF2B5EF4-FFF2-40B4-BE49-F238E27FC236}">
+                <a16:creationId xmlns:a16="http://schemas.microsoft.com/office/drawing/2014/main" id="{2240B782-8BB6-4E75-A102-D2C7492CECC9}"/>
+              </a:ext>
+            </a:extLst>
+          </p:cNvPr>
+          <p:cNvSpPr txBox="1"/>
+          <p:nvPr/>
+        </p:nvSpPr>
+        <p:spPr>
+          <a:xfrm>
+            <a:off x="150812" y="2028616"/>
+            <a:ext cx="11228851" cy="2800767"/>
+          </a:xfrm>
+          <a:prstGeom prst="rect">
+            <a:avLst/>
+          </a:prstGeom>
+          <a:noFill/>
+          <a:ln>
+            <a:noFill/>
+          </a:ln>
+        </p:spPr>
+        <p:txBody>
+          <a:bodyPr wrap="square" rtlCol="0" anchor="ctr" anchorCtr="1">
+            <a:spAutoFit/>
           </a:bodyPr>
           <a:lstStyle/>
           <a:p>
-            <a:pPr algn="ctr"/>
-            <a:r>
-              <a:rPr lang="en-US" sz="7200" b="1" dirty="0"/>
-              <a:t>THANKS FOR LISTENING!</a:t>
+            <a:r>
+              <a:rPr lang="en-US" sz="1600" dirty="0">
+                <a:latin typeface="Abadi" panose="020B0604020104020204" pitchFamily="34" charset="0"/>
+              </a:rPr>
+              <a:t>[1] Giulio </a:t>
+            </a:r>
+            <a:r>
+              <a:rPr lang="en-US" sz="1600" dirty="0" err="1">
+                <a:latin typeface="Abadi" panose="020B0604020104020204" pitchFamily="34" charset="0"/>
+              </a:rPr>
+              <a:t>Carlone</a:t>
+            </a:r>
+            <a:r>
+              <a:rPr lang="en-US" sz="1600" dirty="0">
+                <a:latin typeface="Abadi" panose="020B0604020104020204" pitchFamily="34" charset="0"/>
+              </a:rPr>
+              <a:t> (2021), Introduction to Credit Risk, CRC Press, </a:t>
+            </a:r>
+            <a:r>
+              <a:rPr lang="en-US" sz="1600" dirty="0" err="1">
+                <a:latin typeface="Abadi" panose="020B0604020104020204" pitchFamily="34" charset="0"/>
+              </a:rPr>
+              <a:t>BocaRaton</a:t>
+            </a:r>
+            <a:r>
+              <a:rPr lang="en-US" sz="1600" dirty="0">
+                <a:latin typeface="Abadi" panose="020B0604020104020204" pitchFamily="34" charset="0"/>
+              </a:rPr>
+              <a:t> United States of America</a:t>
+            </a:r>
+          </a:p>
+          <a:p>
+            <a:endParaRPr lang="en-US" sz="1600" dirty="0">
+              <a:latin typeface="Abadi" panose="020B0604020104020204" pitchFamily="34" charset="0"/>
+            </a:endParaRPr>
+          </a:p>
+          <a:p>
+            <a:r>
+              <a:rPr lang="en-US" sz="1600" dirty="0">
+                <a:latin typeface="Abadi" panose="020B0604020104020204" pitchFamily="34" charset="0"/>
+              </a:rPr>
+              <a:t>[2] Khan Academy (2025), Multivariable Calculus Tutorial</a:t>
+            </a:r>
+          </a:p>
+          <a:p>
+            <a:endParaRPr lang="en-US" sz="1600" dirty="0">
+              <a:latin typeface="Abadi" panose="020B0604020104020204" pitchFamily="34" charset="0"/>
+            </a:endParaRPr>
+          </a:p>
+          <a:p>
+            <a:r>
+              <a:rPr lang="en-US" sz="1600" dirty="0">
+                <a:latin typeface="Abadi" panose="020B0604020104020204" pitchFamily="34" charset="0"/>
+              </a:rPr>
+              <a:t>[3] Stern </a:t>
+            </a:r>
+            <a:r>
+              <a:rPr lang="en-US" sz="1600" dirty="0" err="1">
+                <a:latin typeface="Abadi" panose="020B0604020104020204" pitchFamily="34" charset="0"/>
+              </a:rPr>
+              <a:t>Semasuka</a:t>
+            </a:r>
+            <a:r>
+              <a:rPr lang="en-US" sz="1600" dirty="0">
+                <a:latin typeface="Abadi" panose="020B0604020104020204" pitchFamily="34" charset="0"/>
+              </a:rPr>
+              <a:t> (2022), Blog for Credit Card Approval Prediction</a:t>
+            </a:r>
+          </a:p>
+          <a:p>
+            <a:endParaRPr lang="en-US" sz="1600" dirty="0">
+              <a:latin typeface="Abadi" panose="020B0604020104020204" pitchFamily="34" charset="0"/>
+            </a:endParaRPr>
+          </a:p>
+          <a:p>
+            <a:r>
+              <a:rPr lang="en-US" sz="1600" dirty="0">
+                <a:latin typeface="Abadi" panose="020B0604020104020204" pitchFamily="34" charset="0"/>
+              </a:rPr>
+              <a:t>[4] Ng Yong </a:t>
+            </a:r>
+            <a:r>
+              <a:rPr lang="en-US" sz="1600" dirty="0" err="1">
+                <a:latin typeface="Abadi" panose="020B0604020104020204" pitchFamily="34" charset="0"/>
+              </a:rPr>
+              <a:t>Kad</a:t>
+            </a:r>
+            <a:r>
+              <a:rPr lang="en-US" sz="1600" dirty="0">
+                <a:latin typeface="Abadi" panose="020B0604020104020204" pitchFamily="34" charset="0"/>
+              </a:rPr>
+              <a:t> (2020), Credit Scoring Development Using R</a:t>
+            </a:r>
+          </a:p>
+          <a:p>
+            <a:endParaRPr lang="en-US" sz="1600" dirty="0">
+              <a:latin typeface="Abadi" panose="020B0604020104020204" pitchFamily="34" charset="0"/>
+            </a:endParaRPr>
+          </a:p>
+          <a:p>
+            <a:r>
+              <a:rPr lang="en-US" sz="1600" dirty="0">
+                <a:latin typeface="Abadi" panose="020B0604020104020204" pitchFamily="34" charset="0"/>
+              </a:rPr>
+              <a:t>[5] </a:t>
+            </a:r>
+            <a:r>
+              <a:rPr lang="en-US" sz="1600" dirty="0" err="1">
+                <a:latin typeface="Abadi" panose="020B0604020104020204" pitchFamily="34" charset="0"/>
+              </a:rPr>
+              <a:t>Phạm</a:t>
+            </a:r>
+            <a:r>
+              <a:rPr lang="en-US" sz="1600" dirty="0">
+                <a:latin typeface="Abadi" panose="020B0604020104020204" pitchFamily="34" charset="0"/>
+              </a:rPr>
+              <a:t> </a:t>
+            </a:r>
+            <a:r>
+              <a:rPr lang="en-US" sz="1600" dirty="0" err="1">
+                <a:latin typeface="Abadi" panose="020B0604020104020204" pitchFamily="34" charset="0"/>
+              </a:rPr>
+              <a:t>Đình</a:t>
+            </a:r>
+            <a:r>
+              <a:rPr lang="en-US" sz="1600" dirty="0">
+                <a:latin typeface="Abadi" panose="020B0604020104020204" pitchFamily="34" charset="0"/>
+              </a:rPr>
+              <a:t> </a:t>
+            </a:r>
+            <a:r>
+              <a:rPr lang="en-US" sz="1600" dirty="0" err="1">
+                <a:latin typeface="Abadi" panose="020B0604020104020204" pitchFamily="34" charset="0"/>
+              </a:rPr>
+              <a:t>Khánh</a:t>
+            </a:r>
+            <a:r>
+              <a:rPr lang="en-US" sz="1600" dirty="0">
+                <a:latin typeface="Abadi" panose="020B0604020104020204" pitchFamily="34" charset="0"/>
+              </a:rPr>
+              <a:t> (2021), Credit Score Card with Deep AI Book</a:t>
+            </a:r>
+          </a:p>
+          <a:p>
+            <a:endParaRPr lang="en-US" sz="1600" dirty="0">
+              <a:latin typeface="Abadi" panose="020B0604020104020204" pitchFamily="34" charset="0"/>
+            </a:endParaRPr>
+          </a:p>
+          <a:p>
+            <a:r>
+              <a:rPr lang="en-US" sz="1600" dirty="0">
+                <a:latin typeface="Abadi" panose="020B0604020104020204" pitchFamily="34" charset="0"/>
+              </a:rPr>
+              <a:t>[6] Kaggle (2024), Free Datasets for Data Science Community</a:t>
             </a:r>
           </a:p>
         </p:txBody>
@@ -42792,7 +43498,7 @@
     </p:spTree>
     <p:extLst>
       <p:ext uri="{BB962C8B-B14F-4D97-AF65-F5344CB8AC3E}">
-        <p14:creationId xmlns:p14="http://schemas.microsoft.com/office/powerpoint/2010/main" val="2027145678"/>
+        <p14:creationId xmlns:p14="http://schemas.microsoft.com/office/powerpoint/2010/main" val="1415066008"/>
       </p:ext>
     </p:extLst>
   </p:cSld>
@@ -42919,454 +43625,490 @@
         <p:spPr>
           <a:xfrm>
             <a:off x="619248" y="2057400"/>
-            <a:ext cx="11176572" cy="3352800"/>
+            <a:ext cx="10936164" cy="3352800"/>
           </a:xfrm>
         </p:spPr>
         <p:txBody>
-          <a:bodyPr/>
+          <a:bodyPr>
+            <a:normAutofit/>
+          </a:bodyPr>
           <a:lstStyle/>
           <a:p>
             <a:pPr marL="0" indent="0" algn="just">
               <a:buNone/>
             </a:pPr>
             <a:r>
-              <a:rPr lang="en-US" dirty="0" err="1"/>
+              <a:rPr lang="en-US" sz="2000" dirty="0" err="1"/>
               <a:t>Rủi</a:t>
             </a:r>
             <a:r>
-              <a:rPr lang="en-US" dirty="0"/>
-              <a:t> </a:t>
-            </a:r>
-            <a:r>
-              <a:rPr lang="en-US" dirty="0" err="1"/>
+              <a:rPr lang="en-US" sz="2000" dirty="0"/>
+              <a:t> </a:t>
+            </a:r>
+            <a:r>
+              <a:rPr lang="en-US" sz="2000" dirty="0" err="1"/>
               <a:t>ro</a:t>
             </a:r>
             <a:r>
-              <a:rPr lang="en-US" dirty="0"/>
-              <a:t> </a:t>
-            </a:r>
-            <a:r>
-              <a:rPr lang="en-US" dirty="0" err="1"/>
+              <a:rPr lang="en-US" sz="2000" dirty="0"/>
+              <a:t> </a:t>
+            </a:r>
+            <a:r>
+              <a:rPr lang="en-US" sz="2000" dirty="0" err="1"/>
               <a:t>tín</a:t>
             </a:r>
             <a:r>
-              <a:rPr lang="en-US" dirty="0"/>
-              <a:t> </a:t>
-            </a:r>
-            <a:r>
-              <a:rPr lang="en-US" dirty="0" err="1"/>
+              <a:rPr lang="en-US" sz="2000" dirty="0"/>
+              <a:t> </a:t>
+            </a:r>
+            <a:r>
+              <a:rPr lang="en-US" sz="2000" dirty="0" err="1"/>
               <a:t>dụng</a:t>
             </a:r>
             <a:r>
-              <a:rPr lang="en-US" dirty="0"/>
-              <a:t> </a:t>
-            </a:r>
-            <a:r>
-              <a:rPr lang="en-US" dirty="0" err="1"/>
+              <a:rPr lang="en-US" sz="2000" dirty="0"/>
+              <a:t> </a:t>
+            </a:r>
+            <a:r>
+              <a:rPr lang="en-US" sz="2000" dirty="0" err="1"/>
               <a:t>là</a:t>
             </a:r>
             <a:r>
-              <a:rPr lang="en-US" dirty="0"/>
-              <a:t> </a:t>
-            </a:r>
-            <a:r>
-              <a:rPr lang="en-US" dirty="0" err="1"/>
+              <a:rPr lang="en-US" sz="2000" dirty="0"/>
+              <a:t> </a:t>
+            </a:r>
+            <a:r>
+              <a:rPr lang="en-US" sz="2000" dirty="0" err="1"/>
               <a:t>nguy</a:t>
             </a:r>
             <a:r>
-              <a:rPr lang="en-US" dirty="0"/>
+              <a:rPr lang="en-US" sz="2000" dirty="0"/>
               <a:t> c</a:t>
             </a:r>
             <a:r>
-              <a:rPr lang="vi-VN" dirty="0"/>
+              <a:rPr lang="vi-VN" sz="2000" dirty="0"/>
               <a:t>ơ</a:t>
             </a:r>
             <a:r>
-              <a:rPr lang="en-US" dirty="0"/>
-              <a:t> </a:t>
-            </a:r>
-            <a:r>
-              <a:rPr lang="en-US" dirty="0" err="1"/>
+              <a:rPr lang="en-US" sz="2000" dirty="0"/>
+              <a:t> </a:t>
+            </a:r>
+            <a:r>
+              <a:rPr lang="en-US" sz="2000" dirty="0" err="1"/>
               <a:t>mà</a:t>
             </a:r>
             <a:r>
-              <a:rPr lang="en-US" dirty="0"/>
-              <a:t> </a:t>
-            </a:r>
-            <a:r>
-              <a:rPr lang="en-US" dirty="0" err="1"/>
+              <a:rPr lang="en-US" sz="2000" dirty="0"/>
+              <a:t> </a:t>
+            </a:r>
+            <a:r>
+              <a:rPr lang="en-US" sz="2000" dirty="0" err="1"/>
               <a:t>khách</a:t>
             </a:r>
             <a:r>
-              <a:rPr lang="en-US" dirty="0"/>
-              <a:t> </a:t>
-            </a:r>
-            <a:r>
-              <a:rPr lang="en-US" dirty="0" err="1"/>
+              <a:rPr lang="en-US" sz="2000" dirty="0"/>
+              <a:t> </a:t>
+            </a:r>
+            <a:r>
+              <a:rPr lang="en-US" sz="2000" dirty="0" err="1"/>
               <a:t>hàng</a:t>
             </a:r>
             <a:r>
-              <a:rPr lang="en-US" dirty="0"/>
-              <a:t> </a:t>
-            </a:r>
-            <a:r>
-              <a:rPr lang="en-US" dirty="0" err="1"/>
+              <a:rPr lang="en-US" sz="2000" dirty="0"/>
+              <a:t> </a:t>
+            </a:r>
+            <a:r>
+              <a:rPr lang="en-US" sz="2000" dirty="0" err="1"/>
               <a:t>có</a:t>
             </a:r>
             <a:r>
-              <a:rPr lang="en-US" dirty="0"/>
-              <a:t> </a:t>
-            </a:r>
-            <a:r>
-              <a:rPr lang="en-US" dirty="0" err="1"/>
+              <a:rPr lang="en-US" sz="2000" dirty="0"/>
+              <a:t> </a:t>
+            </a:r>
+            <a:r>
+              <a:rPr lang="en-US" sz="2000" dirty="0" err="1"/>
               <a:t>khả</a:t>
             </a:r>
             <a:r>
-              <a:rPr lang="en-US" dirty="0"/>
-              <a:t> </a:t>
-            </a:r>
-            <a:r>
-              <a:rPr lang="en-US" dirty="0" err="1"/>
+              <a:rPr lang="en-US" sz="2000" dirty="0"/>
+              <a:t> </a:t>
+            </a:r>
+            <a:r>
+              <a:rPr lang="en-US" sz="2000" dirty="0" err="1"/>
               <a:t>năng</a:t>
             </a:r>
             <a:r>
-              <a:rPr lang="en-US" dirty="0"/>
-              <a:t> </a:t>
-            </a:r>
-            <a:r>
-              <a:rPr lang="en-US" dirty="0" err="1"/>
+              <a:rPr lang="en-US" sz="2000" dirty="0"/>
+              <a:t> </a:t>
+            </a:r>
+            <a:r>
+              <a:rPr lang="en-US" sz="2000" dirty="0" err="1"/>
               <a:t>gây</a:t>
             </a:r>
             <a:r>
-              <a:rPr lang="en-US" dirty="0"/>
+              <a:rPr lang="en-US" sz="2000" dirty="0"/>
               <a:t> ra </a:t>
             </a:r>
             <a:r>
-              <a:rPr lang="en-US" dirty="0" err="1"/>
+              <a:rPr lang="en-US" sz="2000" dirty="0" err="1"/>
               <a:t>tổn</a:t>
             </a:r>
             <a:r>
-              <a:rPr lang="en-US" dirty="0"/>
-              <a:t> </a:t>
-            </a:r>
-            <a:r>
-              <a:rPr lang="en-US" dirty="0" err="1"/>
+              <a:rPr lang="en-US" sz="2000" dirty="0"/>
+              <a:t> </a:t>
+            </a:r>
+            <a:r>
+              <a:rPr lang="en-US" sz="2000" dirty="0" err="1"/>
               <a:t>thất</a:t>
             </a:r>
             <a:r>
-              <a:rPr lang="en-US" dirty="0"/>
-              <a:t> </a:t>
-            </a:r>
-            <a:r>
-              <a:rPr lang="en-US" dirty="0" err="1"/>
+              <a:rPr lang="en-US" sz="2000" dirty="0"/>
+              <a:t> </a:t>
+            </a:r>
+            <a:r>
+              <a:rPr lang="en-US" sz="2000" dirty="0" err="1"/>
               <a:t>tài</a:t>
             </a:r>
             <a:r>
-              <a:rPr lang="en-US" dirty="0"/>
-              <a:t> </a:t>
-            </a:r>
-            <a:r>
-              <a:rPr lang="en-US" dirty="0" err="1"/>
+              <a:rPr lang="en-US" sz="2000" dirty="0"/>
+              <a:t> </a:t>
+            </a:r>
+            <a:r>
+              <a:rPr lang="en-US" sz="2000" dirty="0" err="1"/>
               <a:t>chính</a:t>
             </a:r>
             <a:r>
-              <a:rPr lang="en-US" dirty="0"/>
-              <a:t> </a:t>
-            </a:r>
-            <a:r>
-              <a:rPr lang="en-US" dirty="0" err="1"/>
+              <a:rPr lang="en-US" sz="2000" dirty="0"/>
+              <a:t> </a:t>
+            </a:r>
+            <a:r>
+              <a:rPr lang="en-US" sz="2000" dirty="0" err="1"/>
               <a:t>cho</a:t>
             </a:r>
             <a:r>
-              <a:rPr lang="en-US" dirty="0"/>
-              <a:t> </a:t>
-            </a:r>
-            <a:r>
-              <a:rPr lang="en-US" dirty="0" err="1"/>
+              <a:rPr lang="en-US" sz="2000" dirty="0"/>
+              <a:t> </a:t>
+            </a:r>
+            <a:r>
+              <a:rPr lang="en-US" sz="2000" dirty="0" err="1"/>
               <a:t>ngân</a:t>
             </a:r>
             <a:r>
-              <a:rPr lang="en-US" dirty="0"/>
-              <a:t> </a:t>
-            </a:r>
-            <a:r>
-              <a:rPr lang="en-US" dirty="0" err="1"/>
+              <a:rPr lang="en-US" sz="2000" dirty="0"/>
+              <a:t> </a:t>
+            </a:r>
+            <a:r>
+              <a:rPr lang="en-US" sz="2000" dirty="0" err="1"/>
               <a:t>hàng</a:t>
             </a:r>
             <a:r>
-              <a:rPr lang="en-US" dirty="0"/>
+              <a:rPr lang="en-US" sz="2000" dirty="0"/>
               <a:t> do ng</a:t>
             </a:r>
             <a:r>
-              <a:rPr lang="vi-VN" dirty="0"/>
+              <a:rPr lang="vi-VN" sz="2000" dirty="0"/>
               <a:t>ư</a:t>
             </a:r>
             <a:r>
-              <a:rPr lang="en-US" dirty="0" err="1"/>
+              <a:rPr lang="en-US" sz="2000" dirty="0" err="1"/>
               <a:t>ời</a:t>
             </a:r>
             <a:r>
-              <a:rPr lang="en-US" dirty="0"/>
-              <a:t> </a:t>
-            </a:r>
-            <a:r>
-              <a:rPr lang="en-US" dirty="0" err="1"/>
+              <a:rPr lang="en-US" sz="2000" dirty="0"/>
+              <a:t> </a:t>
+            </a:r>
+            <a:r>
+              <a:rPr lang="en-US" sz="2000" dirty="0" err="1"/>
               <a:t>sử</a:t>
             </a:r>
             <a:r>
-              <a:rPr lang="en-US" dirty="0"/>
-              <a:t> </a:t>
-            </a:r>
-            <a:r>
-              <a:rPr lang="en-US" dirty="0" err="1"/>
+              <a:rPr lang="en-US" sz="2000" dirty="0"/>
+              <a:t> </a:t>
+            </a:r>
+            <a:r>
+              <a:rPr lang="en-US" sz="2000" dirty="0" err="1"/>
               <a:t>dụng</a:t>
             </a:r>
             <a:r>
-              <a:rPr lang="en-US" dirty="0"/>
-              <a:t> </a:t>
-            </a:r>
-            <a:r>
-              <a:rPr lang="en-US" dirty="0" err="1"/>
+              <a:rPr lang="en-US" sz="2000" dirty="0"/>
+              <a:t> </a:t>
+            </a:r>
+            <a:r>
+              <a:rPr lang="en-US" sz="2000" dirty="0" err="1"/>
               <a:t>thẻ</a:t>
             </a:r>
             <a:r>
-              <a:rPr lang="en-US" dirty="0"/>
-              <a:t> </a:t>
-            </a:r>
-            <a:r>
-              <a:rPr lang="en-US" dirty="0" err="1"/>
+              <a:rPr lang="en-US" sz="2000" dirty="0"/>
+              <a:t> </a:t>
+            </a:r>
+            <a:r>
+              <a:rPr lang="en-US" sz="2000" dirty="0" err="1"/>
               <a:t>không</a:t>
             </a:r>
             <a:r>
-              <a:rPr lang="en-US" dirty="0"/>
-              <a:t> </a:t>
-            </a:r>
-            <a:r>
-              <a:rPr lang="en-US" dirty="0" err="1"/>
+              <a:rPr lang="en-US" sz="2000" dirty="0"/>
+              <a:t> </a:t>
+            </a:r>
+            <a:r>
+              <a:rPr lang="en-US" sz="2000" dirty="0" err="1"/>
               <a:t>có</a:t>
             </a:r>
             <a:r>
-              <a:rPr lang="en-US" dirty="0"/>
-              <a:t> </a:t>
-            </a:r>
-            <a:r>
-              <a:rPr lang="en-US" dirty="0" err="1"/>
+              <a:rPr lang="en-US" sz="2000" dirty="0"/>
+              <a:t> </a:t>
+            </a:r>
+            <a:r>
+              <a:rPr lang="en-US" sz="2000" dirty="0" err="1"/>
               <a:t>khả</a:t>
             </a:r>
             <a:r>
-              <a:rPr lang="en-US" dirty="0"/>
-              <a:t> </a:t>
-            </a:r>
-            <a:r>
-              <a:rPr lang="en-US" dirty="0" err="1"/>
+              <a:rPr lang="en-US" sz="2000" dirty="0"/>
+              <a:t> </a:t>
+            </a:r>
+            <a:r>
+              <a:rPr lang="en-US" sz="2000" dirty="0" err="1"/>
               <a:t>năng</a:t>
             </a:r>
             <a:r>
-              <a:rPr lang="en-US" dirty="0"/>
-              <a:t> </a:t>
-            </a:r>
-            <a:r>
-              <a:rPr lang="en-US" dirty="0" err="1"/>
+              <a:rPr lang="en-US" sz="2000" dirty="0"/>
+              <a:t> </a:t>
+            </a:r>
+            <a:r>
+              <a:rPr lang="en-US" sz="2000" dirty="0" err="1"/>
               <a:t>hoàn</a:t>
             </a:r>
             <a:r>
-              <a:rPr lang="en-US" dirty="0"/>
-              <a:t> </a:t>
-            </a:r>
-            <a:r>
-              <a:rPr lang="en-US" dirty="0" err="1"/>
+              <a:rPr lang="en-US" sz="2000" dirty="0"/>
+              <a:t> </a:t>
+            </a:r>
+            <a:r>
+              <a:rPr lang="en-US" sz="2000" dirty="0" err="1"/>
               <a:t>trả</a:t>
             </a:r>
             <a:r>
-              <a:rPr lang="en-US" dirty="0"/>
-              <a:t> </a:t>
-            </a:r>
-            <a:r>
-              <a:rPr lang="en-US" dirty="0" err="1"/>
+              <a:rPr lang="en-US" sz="2000" dirty="0"/>
+              <a:t> </a:t>
+            </a:r>
+            <a:r>
+              <a:rPr lang="en-US" sz="2000" dirty="0" err="1"/>
               <a:t>lại</a:t>
             </a:r>
             <a:r>
-              <a:rPr lang="en-US" dirty="0"/>
-              <a:t> </a:t>
-            </a:r>
-            <a:r>
-              <a:rPr lang="en-US" dirty="0" err="1"/>
+              <a:rPr lang="en-US" sz="2000" dirty="0"/>
+              <a:t> </a:t>
+            </a:r>
+            <a:r>
+              <a:rPr lang="en-US" sz="2000" dirty="0" err="1"/>
               <a:t>khoản</a:t>
             </a:r>
             <a:r>
-              <a:rPr lang="en-US" dirty="0"/>
-              <a:t> </a:t>
-            </a:r>
-            <a:r>
-              <a:rPr lang="en-US" dirty="0" err="1"/>
+              <a:rPr lang="en-US" sz="2000" dirty="0"/>
+              <a:t> </a:t>
+            </a:r>
+            <a:r>
+              <a:rPr lang="en-US" sz="2000" dirty="0" err="1"/>
               <a:t>tiền</a:t>
             </a:r>
             <a:r>
-              <a:rPr lang="en-US" dirty="0"/>
-              <a:t> </a:t>
-            </a:r>
-            <a:r>
-              <a:rPr lang="en-US" dirty="0" err="1"/>
+              <a:rPr lang="en-US" sz="2000" dirty="0"/>
+              <a:t> </a:t>
+            </a:r>
+            <a:r>
+              <a:rPr lang="en-US" sz="2000" dirty="0" err="1"/>
               <a:t>đã</a:t>
             </a:r>
             <a:r>
-              <a:rPr lang="en-US" dirty="0"/>
+              <a:rPr lang="en-US" sz="2000" dirty="0"/>
               <a:t> chi </a:t>
             </a:r>
             <a:r>
-              <a:rPr lang="en-US" dirty="0" err="1"/>
+              <a:rPr lang="en-US" sz="2000" dirty="0" err="1"/>
               <a:t>tiêu</a:t>
             </a:r>
             <a:r>
-              <a:rPr lang="en-US" dirty="0"/>
-              <a:t> </a:t>
-            </a:r>
-            <a:r>
-              <a:rPr lang="en-US" dirty="0" err="1"/>
+              <a:rPr lang="en-US" sz="2000" dirty="0"/>
+              <a:t> </a:t>
+            </a:r>
+            <a:r>
+              <a:rPr lang="en-US" sz="2000" dirty="0" err="1"/>
               <a:t>từ</a:t>
             </a:r>
             <a:r>
-              <a:rPr lang="en-US" dirty="0"/>
-              <a:t> </a:t>
-            </a:r>
-            <a:r>
-              <a:rPr lang="en-US" dirty="0" err="1"/>
+              <a:rPr lang="en-US" sz="2000" dirty="0"/>
+              <a:t> </a:t>
+            </a:r>
+            <a:r>
+              <a:rPr lang="en-US" sz="2000" dirty="0" err="1"/>
               <a:t>thẻ</a:t>
             </a:r>
             <a:r>
-              <a:rPr lang="en-US" dirty="0"/>
-              <a:t> </a:t>
-            </a:r>
-            <a:r>
-              <a:rPr lang="en-US" dirty="0" err="1"/>
+              <a:rPr lang="en-US" sz="2000" dirty="0"/>
+              <a:t> </a:t>
+            </a:r>
+            <a:r>
+              <a:rPr lang="en-US" sz="2000" dirty="0" err="1"/>
               <a:t>tín</a:t>
             </a:r>
             <a:r>
-              <a:rPr lang="en-US" dirty="0"/>
-              <a:t> </a:t>
-            </a:r>
-            <a:r>
-              <a:rPr lang="en-US" dirty="0" err="1"/>
+              <a:rPr lang="en-US" sz="2000" dirty="0"/>
+              <a:t> </a:t>
+            </a:r>
+            <a:r>
+              <a:rPr lang="en-US" sz="2000" dirty="0" err="1"/>
               <a:t>dụng</a:t>
             </a:r>
             <a:r>
-              <a:rPr lang="en-US" dirty="0"/>
+              <a:rPr lang="en-US" sz="2000" dirty="0"/>
               <a:t>.</a:t>
             </a:r>
           </a:p>
           <a:p>
             <a:r>
-              <a:rPr lang="en-US" dirty="0" err="1"/>
+              <a:rPr lang="en-US" sz="2000" dirty="0" err="1"/>
               <a:t>Rủi</a:t>
             </a:r>
             <a:r>
-              <a:rPr lang="en-US" dirty="0"/>
-              <a:t> </a:t>
-            </a:r>
-            <a:r>
-              <a:rPr lang="en-US" dirty="0" err="1"/>
+              <a:rPr lang="en-US" sz="2000" dirty="0"/>
+              <a:t> </a:t>
+            </a:r>
+            <a:r>
+              <a:rPr lang="en-US" sz="2000" dirty="0" err="1"/>
               <a:t>ro</a:t>
             </a:r>
             <a:r>
-              <a:rPr lang="en-US" dirty="0"/>
-              <a:t> </a:t>
-            </a:r>
-            <a:r>
-              <a:rPr lang="en-US" dirty="0" err="1"/>
+              <a:rPr lang="en-US" sz="2000" dirty="0"/>
+              <a:t> </a:t>
+            </a:r>
+            <a:r>
+              <a:rPr lang="en-US" sz="2000" dirty="0" err="1"/>
               <a:t>thẻ</a:t>
             </a:r>
             <a:r>
-              <a:rPr lang="en-US" dirty="0"/>
-              <a:t> </a:t>
-            </a:r>
-            <a:r>
-              <a:rPr lang="en-US" dirty="0" err="1"/>
+              <a:rPr lang="en-US" sz="2000" dirty="0"/>
+              <a:t> </a:t>
+            </a:r>
+            <a:r>
+              <a:rPr lang="en-US" sz="2000" dirty="0" err="1"/>
               <a:t>tín</a:t>
             </a:r>
             <a:r>
-              <a:rPr lang="en-US" dirty="0"/>
-              <a:t> </a:t>
-            </a:r>
-            <a:r>
-              <a:rPr lang="en-US" dirty="0" err="1"/>
+              <a:rPr lang="en-US" sz="2000" dirty="0"/>
+              <a:t> </a:t>
+            </a:r>
+            <a:r>
+              <a:rPr lang="en-US" sz="2000" dirty="0" err="1"/>
               <a:t>dụng</a:t>
             </a:r>
             <a:r>
-              <a:rPr lang="en-US" dirty="0"/>
+              <a:rPr lang="en-US" sz="2000" dirty="0"/>
               <a:t> (Credit Risk)</a:t>
             </a:r>
           </a:p>
           <a:p>
             <a:r>
-              <a:rPr lang="en-US" dirty="0" err="1"/>
+              <a:rPr lang="en-US" sz="2000" dirty="0" err="1"/>
               <a:t>Rủi</a:t>
             </a:r>
             <a:r>
-              <a:rPr lang="en-US" dirty="0"/>
-              <a:t> </a:t>
-            </a:r>
-            <a:r>
-              <a:rPr lang="en-US" dirty="0" err="1"/>
+              <a:rPr lang="en-US" sz="2000" dirty="0"/>
+              <a:t> </a:t>
+            </a:r>
+            <a:r>
+              <a:rPr lang="en-US" sz="2000" dirty="0" err="1"/>
               <a:t>ro</a:t>
             </a:r>
             <a:r>
-              <a:rPr lang="en-US" dirty="0"/>
-              <a:t> </a:t>
-            </a:r>
-            <a:r>
-              <a:rPr lang="en-US" dirty="0" err="1"/>
+              <a:rPr lang="en-US" sz="2000" dirty="0"/>
+              <a:t> </a:t>
+            </a:r>
+            <a:r>
+              <a:rPr lang="en-US" sz="2000" dirty="0" err="1"/>
               <a:t>gian</a:t>
             </a:r>
             <a:r>
-              <a:rPr lang="en-US" dirty="0"/>
-              <a:t> </a:t>
-            </a:r>
-            <a:r>
-              <a:rPr lang="en-US" dirty="0" err="1"/>
+              <a:rPr lang="en-US" sz="2000" dirty="0"/>
+              <a:t> </a:t>
+            </a:r>
+            <a:r>
+              <a:rPr lang="en-US" sz="2000" dirty="0" err="1"/>
               <a:t>lận</a:t>
             </a:r>
             <a:r>
-              <a:rPr lang="en-US" dirty="0"/>
+              <a:rPr lang="en-US" sz="2000" dirty="0"/>
               <a:t> (Fraud Risk)</a:t>
             </a:r>
           </a:p>
           <a:p>
             <a:r>
-              <a:rPr lang="en-US" dirty="0" err="1"/>
+              <a:rPr lang="en-US" sz="2000" dirty="0" err="1"/>
               <a:t>Rủi</a:t>
             </a:r>
             <a:r>
-              <a:rPr lang="en-US" dirty="0"/>
-              <a:t> </a:t>
-            </a:r>
-            <a:r>
-              <a:rPr lang="en-US" dirty="0" err="1"/>
+              <a:rPr lang="en-US" sz="2000" dirty="0"/>
+              <a:t> </a:t>
+            </a:r>
+            <a:r>
+              <a:rPr lang="en-US" sz="2000" dirty="0" err="1"/>
               <a:t>ro</a:t>
             </a:r>
             <a:r>
-              <a:rPr lang="en-US" dirty="0"/>
-              <a:t> </a:t>
-            </a:r>
-            <a:r>
-              <a:rPr lang="en-US" dirty="0" err="1"/>
+              <a:rPr lang="en-US" sz="2000" dirty="0"/>
+              <a:t> </a:t>
+            </a:r>
+            <a:r>
+              <a:rPr lang="en-US" sz="2000" dirty="0" err="1"/>
               <a:t>giao</a:t>
             </a:r>
             <a:r>
-              <a:rPr lang="en-US" dirty="0"/>
-              <a:t> </a:t>
-            </a:r>
-            <a:r>
-              <a:rPr lang="en-US" dirty="0" err="1"/>
+              <a:rPr lang="en-US" sz="2000" dirty="0"/>
+              <a:t> </a:t>
+            </a:r>
+            <a:r>
+              <a:rPr lang="en-US" sz="2000" dirty="0" err="1"/>
               <a:t>dịch</a:t>
             </a:r>
             <a:r>
-              <a:rPr lang="en-US" dirty="0"/>
+              <a:rPr lang="en-US" sz="2000" dirty="0"/>
               <a:t> (Transaction Risk)</a:t>
             </a:r>
           </a:p>
           <a:p>
             <a:r>
-              <a:rPr lang="en-US" dirty="0"/>
+              <a:rPr lang="en-US" sz="2000" dirty="0" err="1"/>
+              <a:t>Rủi</a:t>
+            </a:r>
+            <a:r>
+              <a:rPr lang="en-US" sz="2000" dirty="0"/>
+              <a:t> </a:t>
+            </a:r>
+            <a:r>
+              <a:rPr lang="en-US" sz="2000" dirty="0" err="1"/>
+              <a:t>ro</a:t>
+            </a:r>
+            <a:r>
+              <a:rPr lang="en-US" sz="2000" dirty="0"/>
+              <a:t> </a:t>
+            </a:r>
+            <a:r>
+              <a:rPr lang="en-US" sz="2000" dirty="0" err="1"/>
+              <a:t>bảo</a:t>
+            </a:r>
+            <a:r>
+              <a:rPr lang="en-US" sz="2000" dirty="0"/>
+              <a:t> </a:t>
+            </a:r>
+            <a:r>
+              <a:rPr lang="en-US" sz="2000" dirty="0" err="1"/>
+              <a:t>mật</a:t>
+            </a:r>
+            <a:r>
+              <a:rPr lang="en-US" sz="2000" dirty="0"/>
+              <a:t> (Security Risk)</a:t>
+            </a:r>
+          </a:p>
+          <a:p>
+            <a:r>
+              <a:rPr lang="en-US" sz="2000" dirty="0"/>
               <a:t>...</a:t>
             </a:r>
           </a:p>
@@ -43401,8 +44143,8 @@
         </p:blipFill>
         <p:spPr bwMode="auto">
           <a:xfrm>
-            <a:off x="7694612" y="3429000"/>
-            <a:ext cx="3860800" cy="2895600"/>
+            <a:off x="7186612" y="3048000"/>
+            <a:ext cx="4368800" cy="3276600"/>
           </a:xfrm>
           <a:prstGeom prst="roundRect">
             <a:avLst>
@@ -43790,6 +44532,84 @@
 </p:sld>
 </file>
 
+<file path=ppt/slides/slide40.xml><?xml version="1.0" encoding="utf-8"?>
+<p:sld xmlns:a="http://schemas.openxmlformats.org/drawingml/2006/main" xmlns:r="http://schemas.openxmlformats.org/officeDocument/2006/relationships" xmlns:p="http://schemas.openxmlformats.org/presentationml/2006/main">
+  <p:cSld>
+    <p:spTree>
+      <p:nvGrpSpPr>
+        <p:cNvPr id="1" name=""/>
+        <p:cNvGrpSpPr/>
+        <p:nvPr/>
+      </p:nvGrpSpPr>
+      <p:grpSpPr>
+        <a:xfrm>
+          <a:off x="0" y="0"/>
+          <a:ext cx="0" cy="0"/>
+          <a:chOff x="0" y="0"/>
+          <a:chExt cx="0" cy="0"/>
+        </a:xfrm>
+      </p:grpSpPr>
+      <p:sp>
+        <p:nvSpPr>
+          <p:cNvPr id="2" name="Title 1">
+            <a:extLst>
+              <a:ext uri="{FF2B5EF4-FFF2-40B4-BE49-F238E27FC236}">
+                <a16:creationId xmlns:a16="http://schemas.microsoft.com/office/drawing/2014/main" id="{A629D5BE-76ED-4EB7-A8B2-CAB577F7C139}"/>
+              </a:ext>
+            </a:extLst>
+          </p:cNvPr>
+          <p:cNvSpPr>
+            <a:spLocks noGrp="1"/>
+          </p:cNvSpPr>
+          <p:nvPr>
+            <p:ph type="title"/>
+          </p:nvPr>
+        </p:nvSpPr>
+        <p:spPr>
+          <a:xfrm>
+            <a:off x="797113" y="2209800"/>
+            <a:ext cx="10594598" cy="1981199"/>
+          </a:xfrm>
+        </p:spPr>
+        <p:txBody>
+          <a:bodyPr>
+            <a:noAutofit/>
+          </a:bodyPr>
+          <a:lstStyle/>
+          <a:p>
+            <a:pPr algn="ctr"/>
+            <a:r>
+              <a:rPr lang="en-US" sz="7200" b="1" dirty="0"/>
+              <a:t>THANKS FOR LISTENING!</a:t>
+            </a:r>
+          </a:p>
+        </p:txBody>
+      </p:sp>
+    </p:spTree>
+    <p:extLst>
+      <p:ext uri="{BB962C8B-B14F-4D97-AF65-F5344CB8AC3E}">
+        <p14:creationId xmlns:p14="http://schemas.microsoft.com/office/powerpoint/2010/main" val="2027145678"/>
+      </p:ext>
+    </p:extLst>
+  </p:cSld>
+  <p:clrMapOvr>
+    <a:masterClrMapping/>
+  </p:clrMapOvr>
+  <mc:AlternateContent xmlns:mc="http://schemas.openxmlformats.org/markup-compatibility/2006" xmlns:p14="http://schemas.microsoft.com/office/powerpoint/2010/main">
+    <mc:Choice Requires="p14">
+      <p:transition spd="med" p14:dur="700">
+        <p:fade/>
+      </p:transition>
+    </mc:Choice>
+    <mc:Fallback xmlns="">
+      <p:transition spd="med">
+        <p:fade/>
+      </p:transition>
+    </mc:Fallback>
+  </mc:AlternateContent>
+</p:sld>
+</file>
+
 <file path=ppt/slides/slide5.xml><?xml version="1.0" encoding="utf-8"?>
 <p:sld xmlns:a="http://schemas.openxmlformats.org/drawingml/2006/main" xmlns:r="http://schemas.openxmlformats.org/officeDocument/2006/relationships" xmlns:p="http://schemas.openxmlformats.org/presentationml/2006/main">
   <p:cSld>
@@ -44879,43 +45699,31 @@
               <a:rPr lang="en-US" dirty="0" err="1">
                 <a:latin typeface="Abadi" panose="020B0604020104020204" pitchFamily="34" charset="0"/>
               </a:rPr>
+              <a:t>quan</a:t>
+            </a:r>
+            <a:r>
+              <a:rPr lang="en-US" dirty="0">
+                <a:latin typeface="Abadi" panose="020B0604020104020204" pitchFamily="34" charset="0"/>
+              </a:rPr>
+              <a:t> </a:t>
+            </a:r>
+            <a:r>
+              <a:rPr lang="en-US" dirty="0" err="1">
+                <a:latin typeface="Abadi" panose="020B0604020104020204" pitchFamily="34" charset="0"/>
+              </a:rPr>
+              <a:t>trọng</a:t>
+            </a:r>
+            <a:r>
+              <a:rPr lang="en-US" dirty="0">
+                <a:latin typeface="Abadi" panose="020B0604020104020204" pitchFamily="34" charset="0"/>
+              </a:rPr>
+              <a:t> </a:t>
+            </a:r>
+            <a:r>
+              <a:rPr lang="en-US" dirty="0" err="1">
+                <a:latin typeface="Abadi" panose="020B0604020104020204" pitchFamily="34" charset="0"/>
+              </a:rPr>
               <a:t>khác</a:t>
-            </a:r>
-            <a:r>
-              <a:rPr lang="en-US" dirty="0">
-                <a:latin typeface="Abadi" panose="020B0604020104020204" pitchFamily="34" charset="0"/>
-              </a:rPr>
-              <a:t> </a:t>
-            </a:r>
-            <a:r>
-              <a:rPr lang="en-US" dirty="0" err="1">
-                <a:latin typeface="Abadi" panose="020B0604020104020204" pitchFamily="34" charset="0"/>
-              </a:rPr>
-              <a:t>bán</a:t>
-            </a:r>
-            <a:r>
-              <a:rPr lang="en-US" dirty="0">
-                <a:latin typeface="Abadi" panose="020B0604020104020204" pitchFamily="34" charset="0"/>
-              </a:rPr>
-              <a:t> </a:t>
-            </a:r>
-            <a:r>
-              <a:rPr lang="en-US" dirty="0" err="1">
-                <a:latin typeface="Abadi" panose="020B0604020104020204" pitchFamily="34" charset="0"/>
-              </a:rPr>
-              <a:t>quan</a:t>
-            </a:r>
-            <a:r>
-              <a:rPr lang="en-US" dirty="0">
-                <a:latin typeface="Abadi" panose="020B0604020104020204" pitchFamily="34" charset="0"/>
-              </a:rPr>
-              <a:t> </a:t>
-            </a:r>
-            <a:r>
-              <a:rPr lang="en-US" dirty="0" err="1">
-                <a:latin typeface="Abadi" panose="020B0604020104020204" pitchFamily="34" charset="0"/>
-              </a:rPr>
-              <a:t>trọng</a:t>
             </a:r>
             <a:r>
               <a:rPr lang="en-US" dirty="0">
@@ -45258,7 +46066,7 @@
         <p:spPr>
           <a:xfrm>
             <a:off x="594617" y="3059667"/>
-            <a:ext cx="4174911" cy="369332"/>
+            <a:ext cx="5728395" cy="369332"/>
           </a:xfrm>
           <a:prstGeom prst="rect">
             <a:avLst/>
@@ -45356,7 +46164,7 @@
               <a:rPr lang="en-US" b="1" dirty="0">
                 <a:latin typeface="Abadi" panose="020B0604020104020204" pitchFamily="34" charset="0"/>
               </a:rPr>
-              <a:t>:</a:t>
+              <a:t> (Log Odds Scaling):</a:t>
             </a:r>
           </a:p>
         </p:txBody>
@@ -45810,8 +46618,8 @@
           </a:p>
         </p:txBody>
       </p:sp>
-      <mc:AlternateContent xmlns:mc="http://schemas.openxmlformats.org/markup-compatibility/2006">
-        <mc:Choice xmlns:a14="http://schemas.microsoft.com/office/drawing/2010/main" Requires="a14">
+      <mc:AlternateContent xmlns:mc="http://schemas.openxmlformats.org/markup-compatibility/2006" xmlns:a14="http://schemas.microsoft.com/office/drawing/2010/main">
+        <mc:Choice Requires="a14">
           <p:sp>
             <p:nvSpPr>
               <p:cNvPr id="3" name="Rectangle: Rounded Corners 2">
@@ -45953,7 +46761,7 @@
             </p:txBody>
           </p:sp>
         </mc:Choice>
-        <mc:Fallback>
+        <mc:Fallback xmlns="">
           <p:sp>
             <p:nvSpPr>
               <p:cNvPr id="3" name="Rectangle: Rounded Corners 2">
@@ -46090,17 +46898,13 @@
               <a:rPr lang="en-US" dirty="0">
                 <a:latin typeface="Abadi" panose="020B0604020104020204" pitchFamily="34" charset="0"/>
               </a:rPr>
-              <a:t> l</a:t>
-            </a:r>
-            <a:r>
-              <a:rPr lang="vi-VN" dirty="0"/>
-              <a:t>ư</a:t>
-            </a:r>
-            <a:r>
-              <a:rPr lang="en-US" dirty="0" err="1">
-                <a:latin typeface="Abadi" panose="020B0604020104020204" pitchFamily="34" charset="0"/>
-              </a:rPr>
-              <a:t>ợt</a:t>
+              <a:t> </a:t>
+            </a:r>
+            <a:r>
+              <a:rPr lang="en-US" dirty="0" err="1">
+                <a:latin typeface="Abadi" panose="020B0604020104020204" pitchFamily="34" charset="0"/>
+              </a:rPr>
+              <a:t>lượt</a:t>
             </a:r>
             <a:r>
               <a:rPr lang="en-US" dirty="0">
@@ -47494,6 +48298,17 @@
 </file>
 
 <file path=customXml/item1.xml><?xml version="1.0" encoding="utf-8"?>
+<p:properties xmlns:p="http://schemas.microsoft.com/office/2006/metadata/properties" xmlns:xsi="http://www.w3.org/2001/XMLSchema-instance" xmlns:pc="http://schemas.microsoft.com/office/infopath/2007/PartnerControls">
+  <documentManagement>
+    <VSO_x0020_item_x0020_id xmlns="40262f94-9f35-4ac3-9a90-690165a166b7" xsi:nil="true"/>
+    <Assetid_x0020_ xmlns="40262f94-9f35-4ac3-9a90-690165a166b7" xsi:nil="true"/>
+    <Item_x0020_Details xmlns="40262f94-9f35-4ac3-9a90-690165a166b7" xsi:nil="true"/>
+    <Template_x0020_details xmlns="40262f94-9f35-4ac3-9a90-690165a166b7" xsi:nil="true"/>
+  </documentManagement>
+</p:properties>
+</file>
+
+<file path=customXml/item2.xml><?xml version="1.0" encoding="utf-8"?>
 <ct:contentTypeSchema xmlns:ct="http://schemas.microsoft.com/office/2006/metadata/contentType" xmlns:ma="http://schemas.microsoft.com/office/2006/metadata/properties/metaAttributes" ct:_="" ma:_="" ma:contentTypeName="Document" ma:contentTypeID="0x010100AA3F7D94069FF64A86F7DFF56D60E3BE" ma:contentTypeVersion="6" ma:contentTypeDescription="Create a new document." ma:contentTypeScope="" ma:versionID="c32302c77d4085ecf495bdddb7f5e889">
   <xsd:schema xmlns:xsd="http://www.w3.org/2001/XMLSchema" xmlns:xs="http://www.w3.org/2001/XMLSchema" xmlns:p="http://schemas.microsoft.com/office/2006/metadata/properties" xmlns:ns2="a4f35948-e619-41b3-aa29-22878b09cfd2" xmlns:ns3="40262f94-9f35-4ac3-9a90-690165a166b7" targetNamespace="http://schemas.microsoft.com/office/2006/metadata/properties" ma:root="true" ma:fieldsID="4ab5ae46be95f9d0be6107e8200be7a2" ns2:_="" ns3:_="">
     <xsd:import namespace="a4f35948-e619-41b3-aa29-22878b09cfd2"/>
@@ -47674,17 +48489,6 @@
 </ct:contentTypeSchema>
 </file>
 
-<file path=customXml/item2.xml><?xml version="1.0" encoding="utf-8"?>
-<p:properties xmlns:p="http://schemas.microsoft.com/office/2006/metadata/properties" xmlns:xsi="http://www.w3.org/2001/XMLSchema-instance" xmlns:pc="http://schemas.microsoft.com/office/infopath/2007/PartnerControls">
-  <documentManagement>
-    <VSO_x0020_item_x0020_id xmlns="40262f94-9f35-4ac3-9a90-690165a166b7" xsi:nil="true"/>
-    <Assetid_x0020_ xmlns="40262f94-9f35-4ac3-9a90-690165a166b7" xsi:nil="true"/>
-    <Item_x0020_Details xmlns="40262f94-9f35-4ac3-9a90-690165a166b7" xsi:nil="true"/>
-    <Template_x0020_details xmlns="40262f94-9f35-4ac3-9a90-690165a166b7" xsi:nil="true"/>
-  </documentManagement>
-</p:properties>
-</file>
-
 <file path=customXml/item3.xml><?xml version="1.0" encoding="utf-8"?>
 <?mso-contentType ?>
 <FormTemplates xmlns="http://schemas.microsoft.com/sharepoint/v3/contenttype/forms">
@@ -47695,6 +48499,23 @@
 </file>
 
 <file path=customXml/itemProps1.xml><?xml version="1.0" encoding="utf-8"?>
+<ds:datastoreItem xmlns:ds="http://schemas.openxmlformats.org/officeDocument/2006/customXml" ds:itemID="{3049C11C-71DC-49B6-ACD8-27E3AE088D14}">
+  <ds:schemaRefs>
+    <ds:schemaRef ds:uri="http://purl.org/dc/elements/1.1/"/>
+    <ds:schemaRef ds:uri="http://schemas.microsoft.com/office/2006/metadata/properties"/>
+    <ds:schemaRef ds:uri="http://schemas.microsoft.com/office/2006/documentManagement/types"/>
+    <ds:schemaRef ds:uri="http://purl.org/dc/terms/"/>
+    <ds:schemaRef ds:uri="http://schemas.openxmlformats.org/package/2006/metadata/core-properties"/>
+    <ds:schemaRef ds:uri="http://purl.org/dc/dcmitype/"/>
+    <ds:schemaRef ds:uri="http://schemas.microsoft.com/office/infopath/2007/PartnerControls"/>
+    <ds:schemaRef ds:uri="40262f94-9f35-4ac3-9a90-690165a166b7"/>
+    <ds:schemaRef ds:uri="a4f35948-e619-41b3-aa29-22878b09cfd2"/>
+    <ds:schemaRef ds:uri="http://www.w3.org/XML/1998/namespace"/>
+  </ds:schemaRefs>
+</ds:datastoreItem>
+</file>
+
+<file path=customXml/itemProps2.xml><?xml version="1.0" encoding="utf-8"?>
 <ds:datastoreItem xmlns:ds="http://schemas.openxmlformats.org/officeDocument/2006/customXml" ds:itemID="{51F78577-2839-4BFF-9EC7-673BD8FEBD87}">
   <ds:schemaRefs>
     <ds:schemaRef ds:uri="http://schemas.microsoft.com/office/2006/metadata/contentType"/>
@@ -47713,23 +48534,6 @@
 </ds:datastoreItem>
 </file>
 
-<file path=customXml/itemProps2.xml><?xml version="1.0" encoding="utf-8"?>
-<ds:datastoreItem xmlns:ds="http://schemas.openxmlformats.org/officeDocument/2006/customXml" ds:itemID="{3049C11C-71DC-49B6-ACD8-27E3AE088D14}">
-  <ds:schemaRefs>
-    <ds:schemaRef ds:uri="http://purl.org/dc/elements/1.1/"/>
-    <ds:schemaRef ds:uri="http://schemas.microsoft.com/office/2006/metadata/properties"/>
-    <ds:schemaRef ds:uri="http://schemas.microsoft.com/office/2006/documentManagement/types"/>
-    <ds:schemaRef ds:uri="http://purl.org/dc/terms/"/>
-    <ds:schemaRef ds:uri="http://schemas.openxmlformats.org/package/2006/metadata/core-properties"/>
-    <ds:schemaRef ds:uri="http://purl.org/dc/dcmitype/"/>
-    <ds:schemaRef ds:uri="http://schemas.microsoft.com/office/infopath/2007/PartnerControls"/>
-    <ds:schemaRef ds:uri="40262f94-9f35-4ac3-9a90-690165a166b7"/>
-    <ds:schemaRef ds:uri="a4f35948-e619-41b3-aa29-22878b09cfd2"/>
-    <ds:schemaRef ds:uri="http://www.w3.org/XML/1998/namespace"/>
-  </ds:schemaRefs>
-</ds:datastoreItem>
-</file>
-
 <file path=customXml/itemProps3.xml><?xml version="1.0" encoding="utf-8"?>
 <ds:datastoreItem xmlns:ds="http://schemas.openxmlformats.org/officeDocument/2006/customXml" ds:itemID="{0875BD71-4A33-4FB7-88CA-777C4D9E6EE5}">
   <ds:schemaRefs>

--- a/references/ApplicationOfEnsembleLearningInBankCreditCardRiskModeling.pptx
+++ b/references/ApplicationOfEnsembleLearningInBankCreditCardRiskModeling.pptx
@@ -17974,7 +17974,7 @@
               <a:rPr lang="en-US">
                 <a:latin typeface="Abadi" panose="020B0604020104020204" pitchFamily="34" charset="0"/>
               </a:rPr>
-              <a:t>4/8/2025</a:t>
+              <a:t>4/10/2025</a:t>
             </a:fld>
             <a:endParaRPr dirty="0">
               <a:latin typeface="Abadi" panose="020B0604020104020204" pitchFamily="34" charset="0"/>
@@ -18152,7 +18152,7 @@
             <a:fld id="{3ABD2D7A-D230-4F91-BD59-0A39C2703BA8}" type="datetimeFigureOut">
               <a:rPr lang="en-US" smtClean="0"/>
               <a:pPr/>
-              <a:t>4/8/2025</a:t>
+              <a:t>4/10/2025</a:t>
             </a:fld>
             <a:endParaRPr lang="en-US" dirty="0"/>
           </a:p>
@@ -18715,7 +18715,7 @@
             <a:fld id="{1D2498CD-A622-4ACC-98D8-8365C1B868F0}" type="datetime1">
               <a:rPr lang="en-US" smtClean="0"/>
               <a:pPr/>
-              <a:t>4/8/2025</a:t>
+              <a:t>4/10/2025</a:t>
             </a:fld>
             <a:endParaRPr lang="en-US" dirty="0"/>
           </a:p>
@@ -18931,7 +18931,7 @@
           <a:p>
             <a:fld id="{6EB2CF6B-193C-4CEB-9860-F1C5F0818FA3}" type="datetime1">
               <a:rPr lang="en-US" smtClean="0"/>
-              <a:t>4/8/2025</a:t>
+              <a:t>4/10/2025</a:t>
             </a:fld>
             <a:endParaRPr lang="en-US" dirty="0"/>
           </a:p>
@@ -19126,7 +19126,7 @@
           <a:p>
             <a:fld id="{9856CBC3-4EDC-4C84-BDD0-15F2AD890B92}" type="datetime1">
               <a:rPr lang="en-US" smtClean="0"/>
-              <a:t>4/8/2025</a:t>
+              <a:t>4/10/2025</a:t>
             </a:fld>
             <a:endParaRPr lang="en-US" dirty="0"/>
           </a:p>
@@ -19318,7 +19318,7 @@
           <a:p>
             <a:fld id="{1CEBF3DB-CE40-42F4-BAF4-5D73D1160093}" type="datetime1">
               <a:rPr lang="en-US" smtClean="0"/>
-              <a:t>4/8/2025</a:t>
+              <a:t>4/10/2025</a:t>
             </a:fld>
             <a:endParaRPr lang="en-US" dirty="0"/>
           </a:p>
@@ -19589,7 +19589,7 @@
           <a:p>
             <a:fld id="{23ECA6E5-33C6-44C3-9324-1BC5DF93F43F}" type="datetime1">
               <a:rPr lang="en-US" smtClean="0"/>
-              <a:t>4/8/2025</a:t>
+              <a:t>4/10/2025</a:t>
             </a:fld>
             <a:endParaRPr lang="en-US" dirty="0"/>
           </a:p>
@@ -19901,7 +19901,7 @@
           <a:p>
             <a:fld id="{09C9C1D9-07E1-4387-AF34-89EE2802766D}" type="datetime1">
               <a:rPr lang="en-US" smtClean="0"/>
-              <a:t>4/8/2025</a:t>
+              <a:t>4/10/2025</a:t>
             </a:fld>
             <a:endParaRPr lang="en-US" dirty="0"/>
           </a:p>
@@ -20365,7 +20365,7 @@
           <a:p>
             <a:fld id="{0769E85B-B39A-43E9-82DE-E3279D984288}" type="datetime1">
               <a:rPr lang="en-US" smtClean="0"/>
-              <a:t>4/8/2025</a:t>
+              <a:t>4/10/2025</a:t>
             </a:fld>
             <a:endParaRPr lang="en-US" dirty="0"/>
           </a:p>
@@ -20498,7 +20498,7 @@
           <a:p>
             <a:fld id="{D0270C95-D35D-47FC-816D-E56328637043}" type="datetime1">
               <a:rPr lang="en-US" smtClean="0"/>
-              <a:t>4/8/2025</a:t>
+              <a:t>4/10/2025</a:t>
             </a:fld>
             <a:endParaRPr lang="en-US" dirty="0"/>
           </a:p>
@@ -20608,7 +20608,7 @@
           <a:p>
             <a:fld id="{151163A7-695C-4C09-B334-6924060F5B71}" type="datetime1">
               <a:rPr lang="en-US" smtClean="0"/>
-              <a:t>4/8/2025</a:t>
+              <a:t>4/10/2025</a:t>
             </a:fld>
             <a:endParaRPr lang="en-US" dirty="0"/>
           </a:p>
@@ -20919,7 +20919,7 @@
           <a:p>
             <a:fld id="{FC5B6D02-49B3-41C1-9893-391F698AE757}" type="datetime1">
               <a:rPr lang="en-US" smtClean="0"/>
-              <a:t>4/8/2025</a:t>
+              <a:t>4/10/2025</a:t>
             </a:fld>
             <a:endParaRPr lang="en-US" dirty="0"/>
           </a:p>
@@ -21219,7 +21219,7 @@
           <a:p>
             <a:fld id="{7D91AC91-90B4-40B7-917F-BAE86E369F96}" type="datetime1">
               <a:rPr lang="en-US" smtClean="0"/>
-              <a:t>4/8/2025</a:t>
+              <a:t>4/10/2025</a:t>
             </a:fld>
             <a:endParaRPr lang="en-US" dirty="0"/>
           </a:p>
@@ -21496,7 +21496,7 @@
             <a:fld id="{BB4AB525-F3F4-481A-B8D5-B732FA9EB082}" type="datetime1">
               <a:rPr lang="en-US" smtClean="0"/>
               <a:pPr/>
-              <a:t>4/8/2025</a:t>
+              <a:t>4/10/2025</a:t>
             </a:fld>
             <a:endParaRPr lang="en-US" dirty="0"/>
           </a:p>
@@ -22158,6 +22158,7 @@
           <a:bodyPr/>
           <a:lstStyle/>
           <a:p>
+            <a:pPr algn="ctr"/>
             <a:r>
               <a:rPr lang="en-US" dirty="0"/>
               <a:t>Application of ensemble learning in bank credit card risk modeling </a:t>
@@ -26338,20 +26339,10 @@
           <a:lstStyle/>
           <a:p>
             <a:r>
-              <a:rPr lang="en-US" dirty="0">
-                <a:latin typeface="Abadi" panose="020B0604020104020204" pitchFamily="34" charset="0"/>
-              </a:rPr>
-              <a:t>Ph</a:t>
-            </a:r>
-            <a:r>
-              <a:rPr lang="vi-VN" dirty="0"/>
-              <a:t>ư</a:t>
-            </a:r>
-            <a:r>
-              <a:rPr lang="en-US" dirty="0" err="1">
-                <a:latin typeface="Abadi" panose="020B0604020104020204" pitchFamily="34" charset="0"/>
-              </a:rPr>
-              <a:t>ơng</a:t>
+              <a:rPr lang="en-US" dirty="0" err="1">
+                <a:latin typeface="Abadi" panose="020B0604020104020204" pitchFamily="34" charset="0"/>
+              </a:rPr>
+              <a:t>Phương</a:t>
             </a:r>
             <a:r>
               <a:rPr lang="en-US" dirty="0">
@@ -32893,8 +32884,8 @@
           </a:sp3d>
         </p:spPr>
       </p:pic>
-      <mc:AlternateContent xmlns:mc="http://schemas.openxmlformats.org/markup-compatibility/2006">
-        <mc:Choice xmlns:a14="http://schemas.microsoft.com/office/drawing/2010/main" Requires="a14">
+      <mc:AlternateContent xmlns:mc="http://schemas.openxmlformats.org/markup-compatibility/2006" xmlns:a14="http://schemas.microsoft.com/office/drawing/2010/main">
+        <mc:Choice Requires="a14">
           <p:sp>
             <p:nvSpPr>
               <p:cNvPr id="13" name="TextBox 12">
@@ -33256,7 +33247,7 @@
             </p:txBody>
           </p:sp>
         </mc:Choice>
-        <mc:Fallback>
+        <mc:Fallback xmlns="">
           <p:sp>
             <p:nvSpPr>
               <p:cNvPr id="13" name="TextBox 12">
@@ -38291,8 +38282,8 @@
           </a:sp3d>
         </p:spPr>
       </p:pic>
-      <mc:AlternateContent xmlns:mc="http://schemas.openxmlformats.org/markup-compatibility/2006">
-        <mc:Choice xmlns:a14="http://schemas.microsoft.com/office/drawing/2010/main" Requires="a14">
+      <mc:AlternateContent xmlns:mc="http://schemas.openxmlformats.org/markup-compatibility/2006" xmlns:a14="http://schemas.microsoft.com/office/drawing/2010/main">
+        <mc:Choice Requires="a14">
           <p:sp>
             <p:nvSpPr>
               <p:cNvPr id="14" name="TextBox 13">
@@ -38713,7 +38704,7 @@
             </p:txBody>
           </p:sp>
         </mc:Choice>
-        <mc:Fallback>
+        <mc:Fallback xmlns="">
           <p:sp>
             <p:nvSpPr>
               <p:cNvPr id="14" name="TextBox 13">
@@ -41336,8 +41327,8 @@
           </a:p>
         </p:txBody>
       </p:sp>
-      <mc:AlternateContent xmlns:mc="http://schemas.openxmlformats.org/markup-compatibility/2006">
-        <mc:Choice xmlns:a14="http://schemas.microsoft.com/office/drawing/2010/main" Requires="a14">
+      <mc:AlternateContent xmlns:mc="http://schemas.openxmlformats.org/markup-compatibility/2006" xmlns:a14="http://schemas.microsoft.com/office/drawing/2010/main">
+        <mc:Choice Requires="a14">
           <p:sp>
             <p:nvSpPr>
               <p:cNvPr id="12" name="Rectangle: Rounded Corners 11">
@@ -41446,7 +41437,7 @@
             </p:txBody>
           </p:sp>
         </mc:Choice>
-        <mc:Fallback>
+        <mc:Fallback xmlns="">
           <p:sp>
             <p:nvSpPr>
               <p:cNvPr id="12" name="Rectangle: Rounded Corners 11">
